--- a/RUBY编程规约PPT.pptx
+++ b/RUBY编程规约PPT.pptx
@@ -5,7 +5,7 @@
     <p:sldMasterId id="2147483648" r:id="rId1"/>
   </p:sldMasterIdLst>
   <p:notesMasterIdLst>
-    <p:notesMasterId r:id="rId32"/>
+    <p:notesMasterId r:id="rId31"/>
   </p:notesMasterIdLst>
   <p:sldIdLst>
     <p:sldId id="269" r:id="rId2"/>
@@ -29,29 +29,32 @@
     <p:sldId id="305" r:id="rId20"/>
     <p:sldId id="306" r:id="rId21"/>
     <p:sldId id="307" r:id="rId22"/>
-    <p:sldId id="308" r:id="rId23"/>
-    <p:sldId id="290" r:id="rId24"/>
-    <p:sldId id="300" r:id="rId25"/>
-    <p:sldId id="295" r:id="rId26"/>
-    <p:sldId id="299" r:id="rId27"/>
-    <p:sldId id="296" r:id="rId28"/>
-    <p:sldId id="313" r:id="rId29"/>
-    <p:sldId id="314" r:id="rId30"/>
-    <p:sldId id="267" r:id="rId31"/>
+    <p:sldId id="290" r:id="rId23"/>
+    <p:sldId id="300" r:id="rId24"/>
+    <p:sldId id="295" r:id="rId25"/>
+    <p:sldId id="299" r:id="rId26"/>
+    <p:sldId id="296" r:id="rId27"/>
+    <p:sldId id="313" r:id="rId28"/>
+    <p:sldId id="314" r:id="rId29"/>
+    <p:sldId id="267" r:id="rId30"/>
   </p:sldIdLst>
   <p:sldSz cx="9144000" cy="5143500" type="screen16x9"/>
   <p:notesSz cx="6858000" cy="9144000"/>
   <p:embeddedFontLst>
     <p:embeddedFont>
+      <p:font typeface="Broadway" panose="04040905080B02020502" pitchFamily="82" charset="0"/>
+      <p:regular r:id="rId32"/>
+    </p:embeddedFont>
+    <p:embeddedFont>
       <p:font typeface="仿宋" panose="02010609060101010101" pitchFamily="49" charset="-122"/>
       <p:regular r:id="rId33"/>
     </p:embeddedFont>
     <p:embeddedFont>
-      <p:font typeface="Broadway" panose="04040905080B02020502" pitchFamily="82" charset="0"/>
+      <p:font typeface="Wingdings 2" panose="05020102010507070707" pitchFamily="18" charset="2"/>
       <p:regular r:id="rId34"/>
     </p:embeddedFont>
     <p:embeddedFont>
-      <p:font typeface="Wingdings 2" panose="05020102010507070707" pitchFamily="18" charset="2"/>
+      <p:font typeface="方正汉真广标简体" panose="02010600030101010101" charset="-122"/>
       <p:regular r:id="rId35"/>
     </p:embeddedFont>
     <p:embeddedFont>
@@ -59,28 +62,24 @@
       <p:regular r:id="rId36"/>
     </p:embeddedFont>
     <p:embeddedFont>
-      <p:font typeface="方正细圆简体" panose="02010600030101010101" charset="-122"/>
+      <p:font typeface="ＭＳ Ｐゴシック" panose="020B0600070205080204" pitchFamily="34" charset="-128"/>
       <p:regular r:id="rId37"/>
     </p:embeddedFont>
     <p:embeddedFont>
-      <p:font typeface="MS PGothic" panose="020B0600070205080204" pitchFamily="34" charset="-128"/>
+      <p:font typeface="Calibri" panose="020F0502020204030204" pitchFamily="34" charset="0"/>
       <p:regular r:id="rId38"/>
-    </p:embeddedFont>
-    <p:embeddedFont>
-      <p:font typeface="Calibri" panose="020F0502020204030204" pitchFamily="34" charset="0"/>
-      <p:regular r:id="rId39"/>
-      <p:bold r:id="rId40"/>
-      <p:italic r:id="rId41"/>
-      <p:boldItalic r:id="rId42"/>
-    </p:embeddedFont>
-    <p:embeddedFont>
-      <p:font typeface="方正汉真广标简体" panose="02010600030101010101" charset="-122"/>
-      <p:regular r:id="rId43"/>
+      <p:bold r:id="rId39"/>
+      <p:italic r:id="rId40"/>
+      <p:boldItalic r:id="rId41"/>
     </p:embeddedFont>
     <p:embeddedFont>
       <p:font typeface="微软雅黑" panose="020B0503020204020204" pitchFamily="34" charset="-122"/>
+      <p:regular r:id="rId42"/>
+      <p:bold r:id="rId43"/>
+    </p:embeddedFont>
+    <p:embeddedFont>
+      <p:font typeface="方正细圆简体" panose="02010600030101010101" charset="-122"/>
       <p:regular r:id="rId44"/>
-      <p:bold r:id="rId45"/>
     </p:embeddedFont>
   </p:embeddedFontLst>
   <p:defaultTextStyle>
@@ -264,7 +263,7 @@
             <a:fld id="{997305A0-C644-4292-A5A5-A33F00858024}" type="datetimeFigureOut">
               <a:rPr lang="zh-CN" altLang="en-US" smtClean="0"/>
               <a:pPr/>
-              <a:t>2017/5/21</a:t>
+              <a:t>2017/6/6</a:t>
             </a:fld>
             <a:endParaRPr lang="zh-CN" altLang="en-US"/>
           </a:p>
@@ -851,7 +850,7 @@
             <a:fld id="{4AB3CAAC-809A-4851-8204-EDE4993AF3CF}" type="datetimeFigureOut">
               <a:rPr lang="zh-CN" altLang="en-US" smtClean="0"/>
               <a:pPr/>
-              <a:t>2017/5/21</a:t>
+              <a:t>2017/6/6</a:t>
             </a:fld>
             <a:endParaRPr lang="zh-CN" altLang="en-US"/>
           </a:p>
@@ -1021,7 +1020,7 @@
             <a:fld id="{4AB3CAAC-809A-4851-8204-EDE4993AF3CF}" type="datetimeFigureOut">
               <a:rPr lang="zh-CN" altLang="en-US" smtClean="0"/>
               <a:pPr/>
-              <a:t>2017/5/21</a:t>
+              <a:t>2017/6/6</a:t>
             </a:fld>
             <a:endParaRPr lang="zh-CN" altLang="en-US"/>
           </a:p>
@@ -1201,7 +1200,7 @@
             <a:fld id="{4AB3CAAC-809A-4851-8204-EDE4993AF3CF}" type="datetimeFigureOut">
               <a:rPr lang="zh-CN" altLang="en-US" smtClean="0"/>
               <a:pPr/>
-              <a:t>2017/5/21</a:t>
+              <a:t>2017/6/6</a:t>
             </a:fld>
             <a:endParaRPr lang="zh-CN" altLang="en-US"/>
           </a:p>
@@ -1371,7 +1370,7 @@
             <a:fld id="{4AB3CAAC-809A-4851-8204-EDE4993AF3CF}" type="datetimeFigureOut">
               <a:rPr lang="zh-CN" altLang="en-US" smtClean="0"/>
               <a:pPr/>
-              <a:t>2017/5/21</a:t>
+              <a:t>2017/6/6</a:t>
             </a:fld>
             <a:endParaRPr lang="zh-CN" altLang="en-US"/>
           </a:p>
@@ -1617,7 +1616,7 @@
             <a:fld id="{4AB3CAAC-809A-4851-8204-EDE4993AF3CF}" type="datetimeFigureOut">
               <a:rPr lang="zh-CN" altLang="en-US" smtClean="0"/>
               <a:pPr/>
-              <a:t>2017/5/21</a:t>
+              <a:t>2017/6/6</a:t>
             </a:fld>
             <a:endParaRPr lang="zh-CN" altLang="en-US"/>
           </a:p>
@@ -1905,7 +1904,7 @@
             <a:fld id="{4AB3CAAC-809A-4851-8204-EDE4993AF3CF}" type="datetimeFigureOut">
               <a:rPr lang="zh-CN" altLang="en-US" smtClean="0"/>
               <a:pPr/>
-              <a:t>2017/5/21</a:t>
+              <a:t>2017/6/6</a:t>
             </a:fld>
             <a:endParaRPr lang="zh-CN" altLang="en-US"/>
           </a:p>
@@ -2332,7 +2331,7 @@
             <a:fld id="{4AB3CAAC-809A-4851-8204-EDE4993AF3CF}" type="datetimeFigureOut">
               <a:rPr lang="zh-CN" altLang="en-US" smtClean="0"/>
               <a:pPr/>
-              <a:t>2017/5/21</a:t>
+              <a:t>2017/6/6</a:t>
             </a:fld>
             <a:endParaRPr lang="zh-CN" altLang="en-US"/>
           </a:p>
@@ -2450,7 +2449,7 @@
             <a:fld id="{4AB3CAAC-809A-4851-8204-EDE4993AF3CF}" type="datetimeFigureOut">
               <a:rPr lang="zh-CN" altLang="en-US" smtClean="0"/>
               <a:pPr/>
-              <a:t>2017/5/21</a:t>
+              <a:t>2017/6/6</a:t>
             </a:fld>
             <a:endParaRPr lang="zh-CN" altLang="en-US"/>
           </a:p>
@@ -2545,7 +2544,7 @@
             <a:fld id="{4AB3CAAC-809A-4851-8204-EDE4993AF3CF}" type="datetimeFigureOut">
               <a:rPr lang="zh-CN" altLang="en-US" smtClean="0"/>
               <a:pPr/>
-              <a:t>2017/5/21</a:t>
+              <a:t>2017/6/6</a:t>
             </a:fld>
             <a:endParaRPr lang="zh-CN" altLang="en-US"/>
           </a:p>
@@ -2822,7 +2821,7 @@
             <a:fld id="{4AB3CAAC-809A-4851-8204-EDE4993AF3CF}" type="datetimeFigureOut">
               <a:rPr lang="zh-CN" altLang="en-US" smtClean="0"/>
               <a:pPr/>
-              <a:t>2017/5/21</a:t>
+              <a:t>2017/6/6</a:t>
             </a:fld>
             <a:endParaRPr lang="zh-CN" altLang="en-US"/>
           </a:p>
@@ -3075,7 +3074,7 @@
             <a:fld id="{4AB3CAAC-809A-4851-8204-EDE4993AF3CF}" type="datetimeFigureOut">
               <a:rPr lang="zh-CN" altLang="en-US" smtClean="0"/>
               <a:pPr/>
-              <a:t>2017/5/21</a:t>
+              <a:t>2017/6/6</a:t>
             </a:fld>
             <a:endParaRPr lang="zh-CN" altLang="en-US"/>
           </a:p>
@@ -3294,7 +3293,7 @@
             <a:fld id="{4AB3CAAC-809A-4851-8204-EDE4993AF3CF}" type="datetimeFigureOut">
               <a:rPr lang="zh-CN" altLang="en-US" smtClean="0"/>
               <a:pPr/>
-              <a:t>2017/5/21</a:t>
+              <a:t>2017/6/6</a:t>
             </a:fld>
             <a:endParaRPr lang="zh-CN" altLang="en-US"/>
           </a:p>
@@ -7998,7 +7997,7 @@
         </p:nvSpPr>
         <p:spPr>
           <a:xfrm>
-            <a:off x="836295" y="374650"/>
+            <a:off x="818739" y="374650"/>
             <a:ext cx="6754495" cy="646331"/>
           </a:xfrm>
           <a:prstGeom prst="rect">
@@ -11077,7 +11076,7 @@
         <p:spPr>
           <a:xfrm>
             <a:off x="965200" y="1236345"/>
-            <a:ext cx="7213600" cy="2677656"/>
+            <a:ext cx="7213600" cy="2246769"/>
           </a:xfrm>
           <a:prstGeom prst="rect">
             <a:avLst/>
@@ -11096,7 +11095,23 @@
                   <a:srgbClr val="FFFF00"/>
                 </a:solidFill>
               </a:rPr>
-              <a:t>类以及模块名、每个单词的头一个字母大写、不要使用’</a:t>
+              <a:t>类以及模块名、每个单词的头一个字母大写</a:t>
+            </a:r>
+            <a:r>
+              <a:rPr lang="zh-CN" altLang="en-US" sz="2800" dirty="0" smtClean="0">
+                <a:solidFill>
+                  <a:srgbClr val="FFFF00"/>
+                </a:solidFill>
+              </a:rPr>
+              <a:t>、使用</a:t>
+            </a:r>
+            <a:r>
+              <a:rPr lang="zh-CN" altLang="en-US" sz="2800" dirty="0" smtClean="0">
+                <a:solidFill>
+                  <a:srgbClr val="FFFF00"/>
+                </a:solidFill>
+              </a:rPr>
+              <a:t>’</a:t>
             </a:r>
             <a:r>
               <a:rPr lang="en-US" altLang="zh-CN" sz="2800" dirty="0" smtClean="0">
@@ -11112,15 +11127,7 @@
                   <a:srgbClr val="FFFF00"/>
                 </a:solidFill>
               </a:rPr>
-              <a:t>（下划线）等分隔符。 但是、像</a:t>
-            </a:r>
-            <a:r>
-              <a:rPr lang="en-US" altLang="zh-CN" sz="2800" dirty="0" smtClean="0">
-                <a:solidFill>
-                  <a:srgbClr val="FFFF00"/>
-                </a:solidFill>
-              </a:rPr>
-              <a:t>HTTP</a:t>
+              <a:t>（下划线</a:t>
             </a:r>
             <a:r>
               <a:rPr lang="zh-CN" altLang="en-US" sz="2800" dirty="0" smtClean="0">
@@ -11128,17 +11135,30 @@
                   <a:srgbClr val="FFFF00"/>
                 </a:solidFill>
               </a:rPr>
-              <a:t>这样的通用缩略语，全体大写也可。</a:t>
-            </a:r>
-          </a:p>
-          <a:p>
+              <a:t>）分隔符</a:t>
+            </a:r>
             <a:r>
               <a:rPr lang="zh-CN" altLang="en-US" sz="2800" dirty="0" smtClean="0">
                 <a:solidFill>
                   <a:srgbClr val="FFFF00"/>
                 </a:solidFill>
               </a:rPr>
-              <a:t>正例</a:t>
+              <a:t>。 </a:t>
+            </a:r>
+            <a:endParaRPr lang="en-US" altLang="zh-CN" sz="2800" dirty="0" smtClean="0">
+              <a:solidFill>
+                <a:srgbClr val="FFFF00"/>
+              </a:solidFill>
+            </a:endParaRPr>
+          </a:p>
+          <a:p>
+            <a:r>
+              <a:rPr lang="zh-CN" altLang="en-US" sz="2800" dirty="0" smtClean="0">
+                <a:solidFill>
+                  <a:srgbClr val="FFFF00"/>
+                </a:solidFill>
+              </a:rPr>
+              <a:t>误例</a:t>
             </a:r>
             <a:r>
               <a:rPr lang="en-US" altLang="zh-CN" sz="2800" dirty="0" smtClean="0">
@@ -11198,7 +11218,7 @@
         <p:spPr>
           <a:xfrm>
             <a:off x="4860032" y="2571750"/>
-            <a:ext cx="3096344" cy="3108543"/>
+            <a:ext cx="3096344" cy="2246769"/>
           </a:xfrm>
           <a:prstGeom prst="rect">
             <a:avLst/>
@@ -11217,7 +11237,7 @@
                   <a:srgbClr val="FFFF00"/>
                 </a:solidFill>
               </a:rPr>
-              <a:t>误例</a:t>
+              <a:t>正例</a:t>
             </a:r>
             <a:r>
               <a:rPr lang="en-US" altLang="zh-CN" sz="2800" dirty="0" smtClean="0">
@@ -11257,36 +11277,6 @@
               </a:rPr>
               <a:t>EXAMPLE_CLASS</a:t>
             </a:r>
-          </a:p>
-          <a:p>
-            <a:r>
-              <a:rPr lang="en-US" altLang="zh-CN" sz="2800" dirty="0" err="1" smtClean="0">
-                <a:solidFill>
-                  <a:srgbClr val="FFFF00"/>
-                </a:solidFill>
-              </a:rPr>
-              <a:t>HttpClient</a:t>
-            </a:r>
-            <a:endParaRPr lang="en-US" altLang="zh-CN" sz="2800" dirty="0" smtClean="0">
-              <a:solidFill>
-                <a:srgbClr val="FFFF00"/>
-              </a:solidFill>
-            </a:endParaRPr>
-          </a:p>
-          <a:p>
-            <a:r>
-              <a:rPr lang="en-US" altLang="zh-CN" sz="2800" dirty="0" err="1" smtClean="0">
-                <a:solidFill>
-                  <a:srgbClr val="FFFF00"/>
-                </a:solidFill>
-              </a:rPr>
-              <a:t>HTTPclient</a:t>
-            </a:r>
-            <a:endParaRPr lang="en-US" altLang="zh-CN" sz="2800" dirty="0" smtClean="0">
-              <a:solidFill>
-                <a:srgbClr val="FFFF00"/>
-              </a:solidFill>
-            </a:endParaRPr>
           </a:p>
           <a:p>
             <a:r>
@@ -14824,7 +14814,7 @@
         <p:spPr>
           <a:xfrm>
             <a:off x="965200" y="1236345"/>
-            <a:ext cx="7213600" cy="2123658"/>
+            <a:ext cx="7213600" cy="1815882"/>
           </a:xfrm>
           <a:prstGeom prst="rect">
             <a:avLst/>
@@ -14843,7 +14833,39 @@
                   <a:srgbClr val="FFFF00"/>
                 </a:solidFill>
               </a:rPr>
-              <a:t>类・模块名以外的常数名、全部用大写、单词之间用’</a:t>
+              <a:t>类・模块名以外的常数名、全部</a:t>
+            </a:r>
+            <a:r>
+              <a:rPr lang="ja-JP" altLang="en-US" sz="2800" dirty="0" smtClean="0">
+                <a:solidFill>
+                  <a:srgbClr val="FFFF00"/>
+                </a:solidFill>
+              </a:rPr>
+              <a:t>用</a:t>
+            </a:r>
+            <a:r>
+              <a:rPr lang="zh-CN" altLang="en-US" sz="2800" dirty="0" smtClean="0">
+                <a:solidFill>
+                  <a:srgbClr val="FFFF00"/>
+                </a:solidFill>
+              </a:rPr>
+              <a:t>小</a:t>
+            </a:r>
+            <a:r>
+              <a:rPr lang="ja-JP" altLang="en-US" sz="2800" dirty="0" smtClean="0">
+                <a:solidFill>
+                  <a:srgbClr val="FFFF00"/>
+                </a:solidFill>
+              </a:rPr>
+              <a:t>写</a:t>
+            </a:r>
+            <a:r>
+              <a:rPr lang="ja-JP" altLang="en-US" sz="2800" dirty="0" smtClean="0">
+                <a:solidFill>
+                  <a:srgbClr val="FFFF00"/>
+                </a:solidFill>
+              </a:rPr>
+              <a:t>、单词之间用’</a:t>
             </a:r>
             <a:r>
               <a:rPr lang="en-US" altLang="ja-JP" sz="2800" dirty="0" smtClean="0">
@@ -14887,15 +14909,13 @@
           </a:p>
           <a:p>
             <a:r>
-              <a:rPr lang="en-US" altLang="zh-CN" sz="2800" dirty="0" smtClean="0">
-                <a:solidFill>
-                  <a:srgbClr val="FFFF00"/>
-                </a:solidFill>
-              </a:rPr>
-              <a:t>EXAMPLE_CONSTANT</a:t>
-            </a:r>
-          </a:p>
-          <a:p>
+              <a:rPr lang="en-US" altLang="zh-CN" sz="2800" dirty="0" err="1">
+                <a:solidFill>
+                  <a:srgbClr val="FFFF00"/>
+                </a:solidFill>
+              </a:rPr>
+              <a:t>map_bgm</a:t>
+            </a:r>
             <a:endParaRPr lang="en-US" altLang="zh-CN" sz="2000" dirty="0" smtClean="0">
               <a:solidFill>
                 <a:srgbClr val="FFFF00"/>
@@ -15201,386 +15221,6 @@
 </file>
 
 <file path=ppt/slides/slide22.xml><?xml version="1.0" encoding="utf-8"?>
-<p:sld xmlns:a="http://schemas.openxmlformats.org/drawingml/2006/main" xmlns:r="http://schemas.openxmlformats.org/officeDocument/2006/relationships" xmlns:p="http://schemas.openxmlformats.org/presentationml/2006/main">
-  <p:cSld>
-    <p:spTree>
-      <p:nvGrpSpPr>
-        <p:cNvPr id="1" name=""/>
-        <p:cNvGrpSpPr/>
-        <p:nvPr/>
-      </p:nvGrpSpPr>
-      <p:grpSpPr>
-        <a:xfrm>
-          <a:off x="0" y="0"/>
-          <a:ext cx="0" cy="0"/>
-          <a:chOff x="0" y="0"/>
-          <a:chExt cx="0" cy="0"/>
-        </a:xfrm>
-      </p:grpSpPr>
-      <p:sp>
-        <p:nvSpPr>
-          <p:cNvPr id="2" name="等腰三角形 1"/>
-          <p:cNvSpPr/>
-          <p:nvPr/>
-        </p:nvSpPr>
-        <p:spPr>
-          <a:xfrm>
-            <a:off x="0" y="2291969"/>
-            <a:ext cx="1403648" cy="2851529"/>
-          </a:xfrm>
-          <a:prstGeom prst="triangle">
-            <a:avLst>
-              <a:gd name="adj" fmla="val 0"/>
-            </a:avLst>
-          </a:prstGeom>
-          <a:solidFill>
-            <a:srgbClr val="FFC000"/>
-          </a:solidFill>
-          <a:ln>
-            <a:noFill/>
-          </a:ln>
-        </p:spPr>
-        <p:style>
-          <a:lnRef idx="2">
-            <a:schemeClr val="accent1">
-              <a:shade val="50000"/>
-            </a:schemeClr>
-          </a:lnRef>
-          <a:fillRef idx="1">
-            <a:schemeClr val="accent1"/>
-          </a:fillRef>
-          <a:effectRef idx="0">
-            <a:schemeClr val="accent1"/>
-          </a:effectRef>
-          <a:fontRef idx="minor">
-            <a:schemeClr val="lt1"/>
-          </a:fontRef>
-        </p:style>
-        <p:txBody>
-          <a:bodyPr rtlCol="0" anchor="ctr"/>
-          <a:lstStyle/>
-          <a:p>
-            <a:pPr algn="ctr"/>
-            <a:endParaRPr lang="zh-CN" altLang="en-US"/>
-          </a:p>
-        </p:txBody>
-      </p:sp>
-      <p:sp>
-        <p:nvSpPr>
-          <p:cNvPr id="4" name="文本框 53"/>
-          <p:cNvSpPr txBox="1"/>
-          <p:nvPr/>
-        </p:nvSpPr>
-        <p:spPr>
-          <a:xfrm>
-            <a:off x="836295" y="374650"/>
-            <a:ext cx="6754495" cy="646331"/>
-          </a:xfrm>
-          <a:prstGeom prst="rect">
-            <a:avLst/>
-          </a:prstGeom>
-          <a:noFill/>
-        </p:spPr>
-        <p:txBody>
-          <a:bodyPr wrap="square" rtlCol="0">
-            <a:spAutoFit/>
-          </a:bodyPr>
-          <a:lstStyle/>
-          <a:p>
-            <a:r>
-              <a:rPr lang="ja-JP" altLang="zh-CN" sz="3600" b="1" dirty="0" smtClean="0">
-                <a:solidFill>
-                  <a:srgbClr val="FFFF00"/>
-                </a:solidFill>
-              </a:rPr>
-              <a:t>文件名</a:t>
-            </a:r>
-            <a:endParaRPr lang="zh-CN" sz="3600" dirty="0">
-              <a:solidFill>
-                <a:srgbClr val="FFFF00"/>
-              </a:solidFill>
-              <a:latin typeface="方正细圆简体" panose="03000509000000000000" pitchFamily="65" charset="-122"/>
-              <a:ea typeface="方正细圆简体" panose="03000509000000000000" pitchFamily="65" charset="-122"/>
-            </a:endParaRPr>
-          </a:p>
-        </p:txBody>
-      </p:sp>
-      <p:sp>
-        <p:nvSpPr>
-          <p:cNvPr id="5" name="文本框 53"/>
-          <p:cNvSpPr txBox="1"/>
-          <p:nvPr/>
-        </p:nvSpPr>
-        <p:spPr>
-          <a:xfrm>
-            <a:off x="965200" y="1236345"/>
-            <a:ext cx="7639248" cy="2862322"/>
-          </a:xfrm>
-          <a:prstGeom prst="rect">
-            <a:avLst/>
-          </a:prstGeom>
-          <a:noFill/>
-        </p:spPr>
-        <p:txBody>
-          <a:bodyPr wrap="square" rtlCol="0">
-            <a:spAutoFit/>
-          </a:bodyPr>
-          <a:lstStyle/>
-          <a:p>
-            <a:r>
-              <a:rPr lang="zh-CN" altLang="en-US" sz="2000" dirty="0" smtClean="0">
-                <a:solidFill>
-                  <a:srgbClr val="FFFF00"/>
-                </a:solidFill>
-              </a:rPr>
-              <a:t>在文件名中、全部使用小写字母、单词之间用’</a:t>
-            </a:r>
-            <a:r>
-              <a:rPr lang="en-US" altLang="zh-CN" sz="2000" dirty="0" smtClean="0">
-                <a:solidFill>
-                  <a:srgbClr val="FFFF00"/>
-                </a:solidFill>
-              </a:rPr>
-              <a:t>_’</a:t>
-            </a:r>
-            <a:r>
-              <a:rPr lang="zh-CN" altLang="en-US" sz="2000" dirty="0" smtClean="0">
-                <a:solidFill>
-                  <a:srgbClr val="FFFF00"/>
-                </a:solidFill>
-              </a:rPr>
-              <a:t>来分隔。 另外、可以把文件中主要的类名变成小写后作为文件名来使用。</a:t>
-            </a:r>
-            <a:r>
-              <a:rPr lang="en-US" altLang="zh-CN" sz="2000" dirty="0" smtClean="0">
-                <a:solidFill>
-                  <a:srgbClr val="FFFF00"/>
-                </a:solidFill>
-              </a:rPr>
-              <a:t>(</a:t>
-            </a:r>
-            <a:r>
-              <a:rPr lang="zh-CN" altLang="en-US" sz="2000" dirty="0" smtClean="0">
-                <a:solidFill>
-                  <a:srgbClr val="FFFF00"/>
-                </a:solidFill>
-              </a:rPr>
-              <a:t>把模块作为命名空间来使用的时候，同时使用目录名，可以体现出构造的阶层来。</a:t>
-            </a:r>
-            <a:r>
-              <a:rPr lang="en-US" altLang="zh-CN" sz="2000" dirty="0" smtClean="0">
-                <a:solidFill>
-                  <a:srgbClr val="FFFF00"/>
-                </a:solidFill>
-              </a:rPr>
-              <a:t>)</a:t>
-            </a:r>
-            <a:endParaRPr lang="zh-CN" altLang="en-US" sz="2000" dirty="0" smtClean="0">
-              <a:solidFill>
-                <a:srgbClr val="FFFF00"/>
-              </a:solidFill>
-            </a:endParaRPr>
-          </a:p>
-          <a:p>
-            <a:r>
-              <a:rPr lang="zh-CN" altLang="en-US" sz="2000" dirty="0" smtClean="0">
-                <a:solidFill>
-                  <a:srgbClr val="FFFF00"/>
-                </a:solidFill>
-              </a:rPr>
-              <a:t>例</a:t>
-            </a:r>
-            <a:r>
-              <a:rPr lang="en-US" altLang="zh-CN" sz="2000" dirty="0" smtClean="0">
-                <a:solidFill>
-                  <a:srgbClr val="FFFF00"/>
-                </a:solidFill>
-              </a:rPr>
-              <a:t>:</a:t>
-            </a:r>
-            <a:endParaRPr lang="zh-CN" altLang="en-US" sz="2000" dirty="0" smtClean="0">
-              <a:solidFill>
-                <a:srgbClr val="FFFF00"/>
-              </a:solidFill>
-            </a:endParaRPr>
-          </a:p>
-          <a:p>
-            <a:r>
-              <a:rPr lang="en-US" altLang="zh-CN" sz="2000" dirty="0" err="1" smtClean="0">
-                <a:solidFill>
-                  <a:srgbClr val="FFFF00"/>
-                </a:solidFill>
-              </a:rPr>
-              <a:t>foo.rb</a:t>
-            </a:r>
-            <a:r>
-              <a:rPr lang="en-US" altLang="zh-CN" sz="2000" dirty="0" smtClean="0">
-                <a:solidFill>
-                  <a:srgbClr val="FFFF00"/>
-                </a:solidFill>
-              </a:rPr>
-              <a:t> # </a:t>
-            </a:r>
-            <a:r>
-              <a:rPr lang="zh-CN" altLang="en-US" sz="2000" dirty="0" smtClean="0">
-                <a:solidFill>
-                  <a:srgbClr val="FFFF00"/>
-                </a:solidFill>
-              </a:rPr>
-              <a:t>定义了类</a:t>
-            </a:r>
-            <a:r>
-              <a:rPr lang="en-US" altLang="zh-CN" sz="2000" dirty="0" err="1" smtClean="0">
-                <a:solidFill>
-                  <a:srgbClr val="FFFF00"/>
-                </a:solidFill>
-              </a:rPr>
-              <a:t>Foo</a:t>
-            </a:r>
-            <a:endParaRPr lang="en-US" altLang="zh-CN" sz="2000" dirty="0" smtClean="0">
-              <a:solidFill>
-                <a:srgbClr val="FFFF00"/>
-              </a:solidFill>
-            </a:endParaRPr>
-          </a:p>
-          <a:p>
-            <a:r>
-              <a:rPr lang="en-US" altLang="zh-CN" sz="2000" dirty="0" err="1" smtClean="0">
-                <a:solidFill>
-                  <a:srgbClr val="FFFF00"/>
-                </a:solidFill>
-              </a:rPr>
-              <a:t>foo-bar.rb</a:t>
-            </a:r>
-            <a:r>
-              <a:rPr lang="en-US" altLang="zh-CN" sz="2000" dirty="0" smtClean="0">
-                <a:solidFill>
-                  <a:srgbClr val="FFFF00"/>
-                </a:solidFill>
-              </a:rPr>
-              <a:t> # </a:t>
-            </a:r>
-            <a:r>
-              <a:rPr lang="zh-CN" altLang="en-US" sz="2000" dirty="0" smtClean="0">
-                <a:solidFill>
-                  <a:srgbClr val="FFFF00"/>
-                </a:solidFill>
-              </a:rPr>
-              <a:t>定义了类</a:t>
-            </a:r>
-            <a:r>
-              <a:rPr lang="en-US" altLang="zh-CN" sz="2000" dirty="0" err="1" smtClean="0">
-                <a:solidFill>
-                  <a:srgbClr val="FFFF00"/>
-                </a:solidFill>
-              </a:rPr>
-              <a:t>FooBar</a:t>
-            </a:r>
-            <a:endParaRPr lang="en-US" altLang="zh-CN" sz="2000" dirty="0" smtClean="0">
-              <a:solidFill>
-                <a:srgbClr val="FFFF00"/>
-              </a:solidFill>
-            </a:endParaRPr>
-          </a:p>
-          <a:p>
-            <a:r>
-              <a:rPr lang="en-US" altLang="zh-CN" sz="2000" dirty="0" err="1" smtClean="0">
-                <a:solidFill>
-                  <a:srgbClr val="FFFF00"/>
-                </a:solidFill>
-              </a:rPr>
-              <a:t>foo</a:t>
-            </a:r>
-            <a:r>
-              <a:rPr lang="en-US" altLang="zh-CN" sz="2000" dirty="0" smtClean="0">
-                <a:solidFill>
-                  <a:srgbClr val="FFFF00"/>
-                </a:solidFill>
-              </a:rPr>
-              <a:t>/bar-</a:t>
-            </a:r>
-            <a:r>
-              <a:rPr lang="en-US" altLang="zh-CN" sz="2000" dirty="0" err="1" smtClean="0">
-                <a:solidFill>
-                  <a:srgbClr val="FFFF00"/>
-                </a:solidFill>
-              </a:rPr>
-              <a:t>baz.rb</a:t>
-            </a:r>
-            <a:r>
-              <a:rPr lang="en-US" altLang="zh-CN" sz="2000" dirty="0" smtClean="0">
-                <a:solidFill>
-                  <a:srgbClr val="FFFF00"/>
-                </a:solidFill>
-              </a:rPr>
-              <a:t> # </a:t>
-            </a:r>
-            <a:r>
-              <a:rPr lang="zh-CN" altLang="en-US" sz="2000" dirty="0" smtClean="0">
-                <a:solidFill>
-                  <a:srgbClr val="FFFF00"/>
-                </a:solidFill>
-              </a:rPr>
-              <a:t>定义了类</a:t>
-            </a:r>
-            <a:r>
-              <a:rPr lang="en-US" altLang="zh-CN" sz="2000" dirty="0" err="1" smtClean="0">
-                <a:solidFill>
-                  <a:srgbClr val="FFFF00"/>
-                </a:solidFill>
-              </a:rPr>
-              <a:t>Foo</a:t>
-            </a:r>
-            <a:r>
-              <a:rPr lang="en-US" altLang="zh-CN" sz="2000" dirty="0" smtClean="0">
-                <a:solidFill>
-                  <a:srgbClr val="FFFF00"/>
-                </a:solidFill>
-              </a:rPr>
-              <a:t>::</a:t>
-            </a:r>
-            <a:r>
-              <a:rPr lang="en-US" altLang="zh-CN" sz="2000" dirty="0" err="1" smtClean="0">
-                <a:solidFill>
-                  <a:srgbClr val="FFFF00"/>
-                </a:solidFill>
-              </a:rPr>
-              <a:t>BarBaz</a:t>
-            </a:r>
-            <a:endParaRPr lang="en-US" altLang="zh-CN" sz="2000" dirty="0" smtClean="0">
-              <a:solidFill>
-                <a:srgbClr val="FFFF00"/>
-              </a:solidFill>
-            </a:endParaRPr>
-          </a:p>
-          <a:p>
-            <a:endParaRPr lang="en-US" altLang="zh-CN" sz="2000" dirty="0" smtClean="0">
-              <a:solidFill>
-                <a:srgbClr val="FFFF00"/>
-              </a:solidFill>
-            </a:endParaRPr>
-          </a:p>
-        </p:txBody>
-      </p:sp>
-    </p:spTree>
-  </p:cSld>
-  <p:clrMapOvr>
-    <a:masterClrMapping/>
-  </p:clrMapOvr>
-  <p:transition spd="slow">
-    <p:push dir="u"/>
-  </p:transition>
-  <p:timing>
-    <p:tnLst>
-      <p:par>
-        <p:cTn id="1" dur="indefinite" restart="never" nodeType="tmRoot"/>
-      </p:par>
-    </p:tnLst>
-  </p:timing>
-</p:sld>
-</file>
-
-<file path=ppt/slides/slide23.xml><?xml version="1.0" encoding="utf-8"?>
 <p:sld xmlns:a="http://schemas.openxmlformats.org/drawingml/2006/main" xmlns:r="http://schemas.openxmlformats.org/officeDocument/2006/relationships" xmlns:p="http://schemas.openxmlformats.org/presentationml/2006/main">
   <p:cSld>
     <p:spTree>
@@ -17467,6 +17107,231 @@
 </p:sld>
 </file>
 
+<file path=ppt/slides/slide23.xml><?xml version="1.0" encoding="utf-8"?>
+<p:sld xmlns:a="http://schemas.openxmlformats.org/drawingml/2006/main" xmlns:r="http://schemas.openxmlformats.org/officeDocument/2006/relationships" xmlns:p="http://schemas.openxmlformats.org/presentationml/2006/main">
+  <p:cSld>
+    <p:spTree>
+      <p:nvGrpSpPr>
+        <p:cNvPr id="1" name=""/>
+        <p:cNvGrpSpPr/>
+        <p:nvPr/>
+      </p:nvGrpSpPr>
+      <p:grpSpPr>
+        <a:xfrm>
+          <a:off x="0" y="0"/>
+          <a:ext cx="0" cy="0"/>
+          <a:chOff x="0" y="0"/>
+          <a:chExt cx="0" cy="0"/>
+        </a:xfrm>
+      </p:grpSpPr>
+      <p:sp>
+        <p:nvSpPr>
+          <p:cNvPr id="2" name="等腰三角形 1"/>
+          <p:cNvSpPr/>
+          <p:nvPr/>
+        </p:nvSpPr>
+        <p:spPr>
+          <a:xfrm>
+            <a:off x="0" y="2291969"/>
+            <a:ext cx="1403648" cy="2851529"/>
+          </a:xfrm>
+          <a:prstGeom prst="triangle">
+            <a:avLst>
+              <a:gd name="adj" fmla="val 0"/>
+            </a:avLst>
+          </a:prstGeom>
+          <a:solidFill>
+            <a:srgbClr val="FFC000"/>
+          </a:solidFill>
+          <a:ln>
+            <a:noFill/>
+          </a:ln>
+        </p:spPr>
+        <p:style>
+          <a:lnRef idx="2">
+            <a:schemeClr val="accent1">
+              <a:shade val="50000"/>
+            </a:schemeClr>
+          </a:lnRef>
+          <a:fillRef idx="1">
+            <a:schemeClr val="accent1"/>
+          </a:fillRef>
+          <a:effectRef idx="0">
+            <a:schemeClr val="accent1"/>
+          </a:effectRef>
+          <a:fontRef idx="minor">
+            <a:schemeClr val="lt1"/>
+          </a:fontRef>
+        </p:style>
+        <p:txBody>
+          <a:bodyPr rtlCol="0" anchor="ctr"/>
+          <a:lstStyle/>
+          <a:p>
+            <a:pPr algn="ctr"/>
+            <a:endParaRPr lang="zh-CN" altLang="en-US"/>
+          </a:p>
+        </p:txBody>
+      </p:sp>
+      <p:sp>
+        <p:nvSpPr>
+          <p:cNvPr id="4" name="文本框 53"/>
+          <p:cNvSpPr txBox="1"/>
+          <p:nvPr/>
+        </p:nvSpPr>
+        <p:spPr>
+          <a:xfrm>
+            <a:off x="836295" y="374650"/>
+            <a:ext cx="6754495" cy="640080"/>
+          </a:xfrm>
+          <a:prstGeom prst="rect">
+            <a:avLst/>
+          </a:prstGeom>
+          <a:noFill/>
+        </p:spPr>
+        <p:txBody>
+          <a:bodyPr wrap="square" rtlCol="0">
+            <a:spAutoFit/>
+          </a:bodyPr>
+          <a:lstStyle/>
+          <a:p>
+            <a:r>
+              <a:rPr lang="zh-CN" altLang="en-US" sz="3600" dirty="0" smtClean="0">
+                <a:solidFill>
+                  <a:srgbClr val="FFC000"/>
+                </a:solidFill>
+                <a:latin typeface="方正细圆简体" panose="03000509000000000000" pitchFamily="65" charset="-122"/>
+                <a:ea typeface="方正细圆简体" panose="03000509000000000000" pitchFamily="65" charset="-122"/>
+              </a:rPr>
+              <a:t>总结</a:t>
+            </a:r>
+            <a:endParaRPr lang="zh-CN" sz="3600" dirty="0">
+              <a:solidFill>
+                <a:srgbClr val="FFC000"/>
+              </a:solidFill>
+              <a:latin typeface="方正细圆简体" panose="03000509000000000000" pitchFamily="65" charset="-122"/>
+              <a:ea typeface="方正细圆简体" panose="03000509000000000000" pitchFamily="65" charset="-122"/>
+            </a:endParaRPr>
+          </a:p>
+        </p:txBody>
+      </p:sp>
+      <p:sp>
+        <p:nvSpPr>
+          <p:cNvPr id="5" name="文本框 53"/>
+          <p:cNvSpPr txBox="1"/>
+          <p:nvPr/>
+        </p:nvSpPr>
+        <p:spPr>
+          <a:xfrm>
+            <a:off x="706120" y="1073785"/>
+            <a:ext cx="7731125" cy="523220"/>
+          </a:xfrm>
+          <a:prstGeom prst="rect">
+            <a:avLst/>
+          </a:prstGeom>
+          <a:noFill/>
+        </p:spPr>
+        <p:txBody>
+          <a:bodyPr wrap="square" rtlCol="0">
+            <a:spAutoFit/>
+          </a:bodyPr>
+          <a:lstStyle/>
+          <a:p>
+            <a:r>
+              <a:rPr lang="en-US" altLang="zh-CN" sz="2800" dirty="0">
+                <a:solidFill>
+                  <a:srgbClr val="FFC000"/>
+                </a:solidFill>
+                <a:latin typeface="仿宋" panose="02010609060101010101" charset="-122"/>
+                <a:ea typeface="仿宋" panose="02010609060101010101" charset="-122"/>
+              </a:rPr>
+              <a:t>   </a:t>
+            </a:r>
+            <a:endParaRPr lang="zh-CN" sz="2800" dirty="0">
+              <a:solidFill>
+                <a:srgbClr val="FFC000"/>
+              </a:solidFill>
+              <a:latin typeface="仿宋" panose="02010609060101010101" charset="-122"/>
+              <a:ea typeface="仿宋" panose="02010609060101010101" charset="-122"/>
+            </a:endParaRPr>
+          </a:p>
+        </p:txBody>
+      </p:sp>
+      <p:sp>
+        <p:nvSpPr>
+          <p:cNvPr id="6" name="TextBox 5"/>
+          <p:cNvSpPr txBox="1"/>
+          <p:nvPr/>
+        </p:nvSpPr>
+        <p:spPr>
+          <a:xfrm>
+            <a:off x="539552" y="1275606"/>
+            <a:ext cx="7488832" cy="3539430"/>
+          </a:xfrm>
+          <a:prstGeom prst="rect">
+            <a:avLst/>
+          </a:prstGeom>
+          <a:noFill/>
+        </p:spPr>
+        <p:txBody>
+          <a:bodyPr wrap="square" rtlCol="0">
+            <a:spAutoFit/>
+          </a:bodyPr>
+          <a:lstStyle/>
+          <a:p>
+            <a:r>
+              <a:rPr lang="en-US" altLang="zh-CN" sz="3200" dirty="0" smtClean="0">
+                <a:solidFill>
+                  <a:srgbClr val="FFFF00"/>
+                </a:solidFill>
+              </a:rPr>
+              <a:t>       Ruby</a:t>
+            </a:r>
+            <a:r>
+              <a:rPr lang="zh-CN" altLang="en-US" sz="3200" dirty="0" smtClean="0">
+                <a:solidFill>
+                  <a:srgbClr val="FFFF00"/>
+                </a:solidFill>
+              </a:rPr>
+              <a:t>的纯面向对象可以让你用一致的方式来处理对象。鸭子类型根据对象可提供的方法，而不是对象的继承层次，实现了更切合实际的多态设计。</a:t>
+            </a:r>
+            <a:r>
+              <a:rPr lang="en-US" altLang="zh-CN" sz="3200" dirty="0" smtClean="0">
+                <a:solidFill>
+                  <a:srgbClr val="FFFF00"/>
+                </a:solidFill>
+              </a:rPr>
+              <a:t>Ruby</a:t>
+            </a:r>
+            <a:r>
+              <a:rPr lang="zh-CN" altLang="en-US" sz="3200" dirty="0" smtClean="0">
+                <a:solidFill>
+                  <a:srgbClr val="FFFF00"/>
+                </a:solidFill>
+              </a:rPr>
+              <a:t>的模块和开放类，使程序员能把行为紧密结合到语法上，大大超越了类中定义的传统方法和实例变量。</a:t>
+            </a:r>
+            <a:endParaRPr lang="zh-CN" altLang="en-US" sz="3200" dirty="0"/>
+          </a:p>
+        </p:txBody>
+      </p:sp>
+    </p:spTree>
+  </p:cSld>
+  <p:clrMapOvr>
+    <a:masterClrMapping/>
+  </p:clrMapOvr>
+  <p:transition spd="slow">
+    <p:push dir="u"/>
+  </p:transition>
+  <p:timing>
+    <p:tnLst>
+      <p:par>
+        <p:cTn id="1" dur="indefinite" restart="never" nodeType="tmRoot"/>
+      </p:par>
+    </p:tnLst>
+  </p:timing>
+</p:sld>
+</file>
+
 <file path=ppt/slides/slide24.xml><?xml version="1.0" encoding="utf-8"?>
 <p:sld xmlns:a="http://schemas.openxmlformats.org/drawingml/2006/main" xmlns:r="http://schemas.openxmlformats.org/officeDocument/2006/relationships" xmlns:p="http://schemas.openxmlformats.org/presentationml/2006/main">
   <p:cSld>
@@ -17534,14 +17399,14 @@
       </p:sp>
       <p:sp>
         <p:nvSpPr>
-          <p:cNvPr id="4" name="文本框 53"/>
+          <p:cNvPr id="11" name="TextBox 10"/>
           <p:cNvSpPr txBox="1"/>
           <p:nvPr/>
         </p:nvSpPr>
         <p:spPr>
           <a:xfrm>
-            <a:off x="836295" y="374650"/>
-            <a:ext cx="6754495" cy="640080"/>
+            <a:off x="611560" y="1131590"/>
+            <a:ext cx="7992888" cy="4158190"/>
           </a:xfrm>
           <a:prstGeom prst="rect">
             <a:avLst/>
@@ -17554,36 +17419,310 @@
           </a:bodyPr>
           <a:lstStyle/>
           <a:p>
-            <a:r>
-              <a:rPr lang="zh-CN" altLang="en-US" sz="3600" dirty="0" smtClean="0">
-                <a:solidFill>
-                  <a:srgbClr val="FFC000"/>
-                </a:solidFill>
-                <a:latin typeface="方正细圆简体" panose="03000509000000000000" pitchFamily="65" charset="-122"/>
-                <a:ea typeface="方正细圆简体" panose="03000509000000000000" pitchFamily="65" charset="-122"/>
-              </a:rPr>
-              <a:t>总结</a:t>
-            </a:r>
-            <a:endParaRPr lang="zh-CN" sz="3600" dirty="0">
-              <a:solidFill>
-                <a:srgbClr val="FFC000"/>
-              </a:solidFill>
-              <a:latin typeface="方正细圆简体" panose="03000509000000000000" pitchFamily="65" charset="-122"/>
-              <a:ea typeface="方正细圆简体" panose="03000509000000000000" pitchFamily="65" charset="-122"/>
-            </a:endParaRPr>
-          </a:p>
-        </p:txBody>
-      </p:sp>
-      <p:sp>
-        <p:nvSpPr>
-          <p:cNvPr id="5" name="文本框 53"/>
+            <a:pPr>
+              <a:lnSpc>
+                <a:spcPct val="150000"/>
+              </a:lnSpc>
+            </a:pPr>
+            <a:r>
+              <a:rPr lang="zh-CN" altLang="en-US" sz="2000" dirty="0" smtClean="0">
+                <a:solidFill>
+                  <a:srgbClr val="FFFF00"/>
+                </a:solidFill>
+              </a:rPr>
+              <a:t>（</a:t>
+            </a:r>
+            <a:r>
+              <a:rPr lang="en-US" altLang="zh-CN" sz="2000" dirty="0" smtClean="0">
+                <a:solidFill>
+                  <a:srgbClr val="FFFF00"/>
+                </a:solidFill>
+              </a:rPr>
+              <a:t>1</a:t>
+            </a:r>
+            <a:r>
+              <a:rPr lang="zh-CN" altLang="en-US" sz="2000" dirty="0" smtClean="0">
+                <a:solidFill>
+                  <a:srgbClr val="FFFF00"/>
+                </a:solidFill>
+              </a:rPr>
+              <a:t>）优雅的语法和强大的灵活性</a:t>
+            </a:r>
+            <a:br>
+              <a:rPr lang="zh-CN" altLang="en-US" sz="2000" dirty="0" smtClean="0">
+                <a:solidFill>
+                  <a:srgbClr val="FFFF00"/>
+                </a:solidFill>
+              </a:rPr>
+            </a:br>
+            <a:r>
+              <a:rPr lang="zh-CN" altLang="en-US" sz="2000" dirty="0" smtClean="0">
+                <a:solidFill>
+                  <a:srgbClr val="FFFF00"/>
+                </a:solidFill>
+              </a:rPr>
+              <a:t>（</a:t>
+            </a:r>
+            <a:r>
+              <a:rPr lang="en-US" altLang="zh-CN" sz="2000" dirty="0" smtClean="0">
+                <a:solidFill>
+                  <a:srgbClr val="FFFF00"/>
+                </a:solidFill>
+              </a:rPr>
+              <a:t>2</a:t>
+            </a:r>
+            <a:r>
+              <a:rPr lang="zh-CN" altLang="en-US" sz="2000" dirty="0" smtClean="0">
+                <a:solidFill>
+                  <a:srgbClr val="FFFF00"/>
+                </a:solidFill>
+              </a:rPr>
+              <a:t>）脚本：</a:t>
+            </a:r>
+            <a:r>
+              <a:rPr lang="en-US" altLang="zh-CN" sz="2000" dirty="0" smtClean="0">
+                <a:solidFill>
+                  <a:srgbClr val="FFFF00"/>
+                </a:solidFill>
+              </a:rPr>
+              <a:t>Ruby</a:t>
+            </a:r>
+            <a:r>
+              <a:rPr lang="zh-CN" altLang="en-US" sz="2000" dirty="0" smtClean="0">
+                <a:solidFill>
+                  <a:srgbClr val="FFFF00"/>
+                </a:solidFill>
+              </a:rPr>
+              <a:t>是一门梦幻般的脚本语言，可以出色地完成许多任务。</a:t>
+            </a:r>
+            <a:r>
+              <a:rPr lang="en-US" altLang="zh-CN" sz="2000" dirty="0" smtClean="0">
+                <a:solidFill>
+                  <a:srgbClr val="FFFF00"/>
+                </a:solidFill>
+              </a:rPr>
+              <a:t>Ruby</a:t>
+            </a:r>
+            <a:r>
+              <a:rPr lang="zh-CN" altLang="en-US" sz="2000" dirty="0" smtClean="0">
+                <a:solidFill>
+                  <a:srgbClr val="FFFF00"/>
+                </a:solidFill>
+              </a:rPr>
+              <a:t>许多语法糖可以大幅提高生产效率，各种各样的库和</a:t>
+            </a:r>
+            <a:r>
+              <a:rPr lang="en-US" altLang="zh-CN" sz="2000" dirty="0" smtClean="0">
+                <a:solidFill>
+                  <a:srgbClr val="FFFF00"/>
+                </a:solidFill>
+              </a:rPr>
+              <a:t>gem</a:t>
+            </a:r>
+            <a:r>
+              <a:rPr lang="zh-CN" altLang="en-US" sz="2000" dirty="0" smtClean="0">
+                <a:solidFill>
+                  <a:srgbClr val="FFFF00"/>
+                </a:solidFill>
+              </a:rPr>
+              <a:t>（</a:t>
+            </a:r>
+            <a:r>
+              <a:rPr lang="en-US" altLang="zh-CN" sz="2000" dirty="0" smtClean="0">
+                <a:solidFill>
+                  <a:srgbClr val="FFFF00"/>
+                </a:solidFill>
+              </a:rPr>
+              <a:t>Ruby</a:t>
+            </a:r>
+            <a:r>
+              <a:rPr lang="zh-CN" altLang="en-US" sz="2000" dirty="0" smtClean="0">
+                <a:solidFill>
+                  <a:srgbClr val="FFFF00"/>
+                </a:solidFill>
+              </a:rPr>
+              <a:t>包）可以满足绝大多数日常需要。</a:t>
+            </a:r>
+            <a:br>
+              <a:rPr lang="zh-CN" altLang="en-US" sz="2000" dirty="0" smtClean="0">
+                <a:solidFill>
+                  <a:srgbClr val="FFFF00"/>
+                </a:solidFill>
+              </a:rPr>
+            </a:br>
+            <a:r>
+              <a:rPr lang="zh-CN" altLang="en-US" sz="2000" dirty="0" smtClean="0">
+                <a:solidFill>
+                  <a:srgbClr val="FFFF00"/>
+                </a:solidFill>
+              </a:rPr>
+              <a:t>（</a:t>
+            </a:r>
+            <a:r>
+              <a:rPr lang="en-US" altLang="zh-CN" sz="2000" dirty="0" smtClean="0">
+                <a:solidFill>
+                  <a:srgbClr val="FFFF00"/>
+                </a:solidFill>
+              </a:rPr>
+              <a:t>3</a:t>
+            </a:r>
+            <a:r>
+              <a:rPr lang="zh-CN" altLang="en-US" sz="2000" dirty="0" smtClean="0">
+                <a:solidFill>
+                  <a:srgbClr val="FFFF00"/>
+                </a:solidFill>
+              </a:rPr>
+              <a:t>）</a:t>
+            </a:r>
+            <a:r>
+              <a:rPr lang="en-US" altLang="zh-CN" sz="2000" dirty="0" smtClean="0">
+                <a:solidFill>
+                  <a:srgbClr val="FFFF00"/>
+                </a:solidFill>
+              </a:rPr>
+              <a:t>Web</a:t>
+            </a:r>
+            <a:r>
+              <a:rPr lang="zh-CN" altLang="en-US" sz="2000" dirty="0" smtClean="0">
+                <a:solidFill>
+                  <a:srgbClr val="FFFF00"/>
+                </a:solidFill>
+              </a:rPr>
+              <a:t>开发：很多人学</a:t>
+            </a:r>
+            <a:r>
+              <a:rPr lang="en-US" altLang="zh-CN" sz="2000" dirty="0" smtClean="0">
+                <a:solidFill>
+                  <a:srgbClr val="FFFF00"/>
+                </a:solidFill>
+              </a:rPr>
+              <a:t>Ruby</a:t>
+            </a:r>
+            <a:r>
+              <a:rPr lang="zh-CN" altLang="en-US" sz="2000" dirty="0" smtClean="0">
+                <a:solidFill>
+                  <a:srgbClr val="FFFF00"/>
+                </a:solidFill>
+              </a:rPr>
+              <a:t>最终就是为了用</a:t>
+            </a:r>
+            <a:r>
+              <a:rPr lang="en-US" altLang="zh-CN" sz="2000" dirty="0" smtClean="0">
+                <a:solidFill>
+                  <a:srgbClr val="FFFF00"/>
+                </a:solidFill>
+              </a:rPr>
+              <a:t>Ruby on Rails</a:t>
+            </a:r>
+            <a:r>
+              <a:rPr lang="zh-CN" altLang="en-US" sz="2000" dirty="0" smtClean="0">
+                <a:solidFill>
+                  <a:srgbClr val="FFFF00"/>
+                </a:solidFill>
+              </a:rPr>
+              <a:t>框架来进行</a:t>
+            </a:r>
+            <a:r>
+              <a:rPr lang="en-US" altLang="zh-CN" sz="2000" dirty="0" smtClean="0">
+                <a:solidFill>
+                  <a:srgbClr val="FFFF00"/>
+                </a:solidFill>
+              </a:rPr>
+              <a:t>Web</a:t>
+            </a:r>
+            <a:r>
+              <a:rPr lang="zh-CN" altLang="en-US" sz="2000" dirty="0" smtClean="0">
+                <a:solidFill>
+                  <a:srgbClr val="FFFF00"/>
+                </a:solidFill>
+              </a:rPr>
+              <a:t>开发。作为一个极其成功的</a:t>
+            </a:r>
+            <a:r>
+              <a:rPr lang="en-US" altLang="zh-CN" sz="2000" dirty="0" smtClean="0">
+                <a:solidFill>
+                  <a:srgbClr val="FFFF00"/>
+                </a:solidFill>
+              </a:rPr>
+              <a:t>MVC</a:t>
+            </a:r>
+            <a:r>
+              <a:rPr lang="zh-CN" altLang="en-US" sz="2000" dirty="0" smtClean="0">
+                <a:solidFill>
+                  <a:srgbClr val="FFFF00"/>
+                </a:solidFill>
+              </a:rPr>
+              <a:t>框架，其有着广泛的社区支持及优雅的语法。</a:t>
+            </a:r>
+            <a:r>
+              <a:rPr lang="en-US" altLang="zh-CN" sz="2000" dirty="0" smtClean="0">
+                <a:solidFill>
+                  <a:srgbClr val="FFFF00"/>
+                </a:solidFill>
+              </a:rPr>
+              <a:t>Twitter</a:t>
+            </a:r>
+            <a:r>
+              <a:rPr lang="zh-CN" altLang="en-US" sz="2000" dirty="0" smtClean="0">
+                <a:solidFill>
+                  <a:srgbClr val="FFFF00"/>
+                </a:solidFill>
+              </a:rPr>
+              <a:t>最初就是用</a:t>
+            </a:r>
+            <a:r>
+              <a:rPr lang="en-US" altLang="zh-CN" sz="2000" dirty="0" smtClean="0">
+                <a:solidFill>
+                  <a:srgbClr val="FFFF00"/>
+                </a:solidFill>
+              </a:rPr>
+              <a:t>Ruby</a:t>
+            </a:r>
+            <a:r>
+              <a:rPr lang="zh-CN" altLang="en-US" sz="2000" dirty="0" smtClean="0">
+                <a:solidFill>
+                  <a:srgbClr val="FFFF00"/>
+                </a:solidFill>
+              </a:rPr>
+              <a:t>实现的，借助</a:t>
+            </a:r>
+            <a:r>
+              <a:rPr lang="en-US" altLang="zh-CN" sz="2000" dirty="0" smtClean="0">
+                <a:solidFill>
+                  <a:srgbClr val="FFFF00"/>
+                </a:solidFill>
+              </a:rPr>
+              <a:t>Ruby</a:t>
+            </a:r>
+            <a:r>
+              <a:rPr lang="zh-CN" altLang="en-US" sz="2000" dirty="0" smtClean="0">
+                <a:solidFill>
+                  <a:srgbClr val="FFFF00"/>
+                </a:solidFill>
+              </a:rPr>
+              <a:t>无比强大的生产力，可以快速地开发出一个可推向市场的合格产品。</a:t>
+            </a:r>
+            <a:r>
+              <a:rPr lang="zh-CN" altLang="en-US" dirty="0" smtClean="0"/>
+              <a:t/>
+            </a:r>
+            <a:br>
+              <a:rPr lang="zh-CN" altLang="en-US" dirty="0" smtClean="0"/>
+            </a:br>
+            <a:endParaRPr lang="zh-CN" altLang="en-US" dirty="0"/>
+          </a:p>
+        </p:txBody>
+      </p:sp>
+      <p:sp>
+        <p:nvSpPr>
+          <p:cNvPr id="12" name="TextBox 11"/>
           <p:cNvSpPr txBox="1"/>
           <p:nvPr/>
         </p:nvSpPr>
         <p:spPr>
           <a:xfrm>
-            <a:off x="706120" y="1073785"/>
-            <a:ext cx="7731125" cy="523220"/>
+            <a:off x="395536" y="627534"/>
+            <a:ext cx="6624736" cy="523220"/>
           </a:xfrm>
           <a:prstGeom prst="rect">
             <a:avLst/>
@@ -17597,80 +17736,14 @@
           <a:lstStyle/>
           <a:p>
             <a:r>
-              <a:rPr lang="en-US" altLang="zh-CN" sz="2800" dirty="0">
-                <a:solidFill>
-                  <a:srgbClr val="FFC000"/>
-                </a:solidFill>
-                <a:latin typeface="仿宋" panose="02010609060101010101" charset="-122"/>
-                <a:ea typeface="仿宋" panose="02010609060101010101" charset="-122"/>
-              </a:rPr>
-              <a:t>   </a:t>
-            </a:r>
-            <a:endParaRPr lang="zh-CN" sz="2800" dirty="0">
-              <a:solidFill>
-                <a:srgbClr val="FFC000"/>
-              </a:solidFill>
-              <a:latin typeface="仿宋" panose="02010609060101010101" charset="-122"/>
-              <a:ea typeface="仿宋" panose="02010609060101010101" charset="-122"/>
-            </a:endParaRPr>
-          </a:p>
-        </p:txBody>
-      </p:sp>
-      <p:sp>
-        <p:nvSpPr>
-          <p:cNvPr id="6" name="TextBox 5"/>
-          <p:cNvSpPr txBox="1"/>
-          <p:nvPr/>
-        </p:nvSpPr>
-        <p:spPr>
-          <a:xfrm>
-            <a:off x="539552" y="1275606"/>
-            <a:ext cx="7488832" cy="3539430"/>
-          </a:xfrm>
-          <a:prstGeom prst="rect">
-            <a:avLst/>
-          </a:prstGeom>
-          <a:noFill/>
-        </p:spPr>
-        <p:txBody>
-          <a:bodyPr wrap="square" rtlCol="0">
-            <a:spAutoFit/>
-          </a:bodyPr>
-          <a:lstStyle/>
-          <a:p>
-            <a:r>
-              <a:rPr lang="en-US" altLang="zh-CN" sz="3200" dirty="0" smtClean="0">
-                <a:solidFill>
-                  <a:srgbClr val="FFFF00"/>
-                </a:solidFill>
-              </a:rPr>
-              <a:t>       Ruby</a:t>
-            </a:r>
-            <a:r>
-              <a:rPr lang="zh-CN" altLang="en-US" sz="3200" dirty="0" smtClean="0">
-                <a:solidFill>
-                  <a:srgbClr val="FFFF00"/>
-                </a:solidFill>
-              </a:rPr>
-              <a:t>的纯面向对象可以让你用一致的方式来处理对象。鸭子类型根据对象可提供的方法，而不是对象的继承层次，实现了更切合实际的多态设计。</a:t>
-            </a:r>
-            <a:r>
-              <a:rPr lang="en-US" altLang="zh-CN" sz="3200" dirty="0" smtClean="0">
-                <a:solidFill>
-                  <a:srgbClr val="FFFF00"/>
-                </a:solidFill>
-              </a:rPr>
-              <a:t>Ruby</a:t>
-            </a:r>
-            <a:r>
-              <a:rPr lang="zh-CN" altLang="en-US" sz="3200" dirty="0" smtClean="0">
-                <a:solidFill>
-                  <a:srgbClr val="FFFF00"/>
-                </a:solidFill>
-              </a:rPr>
-              <a:t>的模块和开放类，使程序员能把行为紧密结合到语法上，大大超越了类中定义的传统方法和实例变量。</a:t>
-            </a:r>
-            <a:endParaRPr lang="zh-CN" altLang="en-US" sz="3200" dirty="0"/>
+              <a:rPr lang="zh-CN" altLang="en-US" sz="2800" dirty="0" smtClean="0">
+                <a:solidFill>
+                  <a:srgbClr val="FFFF00"/>
+                </a:solidFill>
+              </a:rPr>
+              <a:t>核心优势：</a:t>
+            </a:r>
+            <a:endParaRPr lang="zh-CN" altLang="en-US" sz="2800" dirty="0"/>
           </a:p>
         </p:txBody>
       </p:sp>
@@ -17765,8 +17838,8 @@
         </p:nvSpPr>
         <p:spPr>
           <a:xfrm>
-            <a:off x="611560" y="1131590"/>
-            <a:ext cx="7992888" cy="4158190"/>
+            <a:off x="611560" y="0"/>
+            <a:ext cx="7488832" cy="5355312"/>
           </a:xfrm>
           <a:prstGeom prst="rect">
             <a:avLst/>
@@ -17785,28 +17858,20 @@
               </a:lnSpc>
             </a:pPr>
             <a:r>
+              <a:rPr lang="zh-CN" altLang="en-US" sz="2800" dirty="0" smtClean="0">
+                <a:solidFill>
+                  <a:srgbClr val="FFFF00"/>
+                </a:solidFill>
+              </a:rPr>
+              <a:t>不足之处：</a:t>
+            </a:r>
+            <a:r>
               <a:rPr lang="zh-CN" altLang="en-US" sz="2000" dirty="0" smtClean="0">
                 <a:solidFill>
                   <a:srgbClr val="FFFF00"/>
                 </a:solidFill>
               </a:rPr>
-              <a:t>（</a:t>
-            </a:r>
-            <a:r>
-              <a:rPr lang="en-US" altLang="zh-CN" sz="2000" dirty="0" smtClean="0">
-                <a:solidFill>
-                  <a:srgbClr val="FFFF00"/>
-                </a:solidFill>
-              </a:rPr>
-              <a:t>1</a:t>
-            </a:r>
-            <a:r>
-              <a:rPr lang="zh-CN" altLang="en-US" sz="2000" dirty="0" smtClean="0">
-                <a:solidFill>
-                  <a:srgbClr val="FFFF00"/>
-                </a:solidFill>
-              </a:rPr>
-              <a:t>）优雅的语法和强大的灵活性</a:t>
+              <a:t/>
             </a:r>
             <a:br>
               <a:rPr lang="zh-CN" altLang="en-US" sz="2000" dirty="0" smtClean="0">
@@ -17829,7 +17894,7 @@
                   <a:srgbClr val="FFFF00"/>
                 </a:solidFill>
               </a:rPr>
-              <a:t>2</a:t>
+              <a:t>1</a:t>
             </a:r>
             <a:r>
               <a:rPr lang="zh-CN" altLang="en-US" sz="2000" dirty="0" smtClean="0">
@@ -17837,7 +17902,7 @@
                   <a:srgbClr val="FFFF00"/>
                 </a:solidFill>
               </a:rPr>
-              <a:t>）脚本：</a:t>
+              <a:t>）性能：这是</a:t>
             </a:r>
             <a:r>
               <a:rPr lang="en-US" altLang="zh-CN" sz="2000" dirty="0" smtClean="0">
@@ -17853,7 +17918,7 @@
                   <a:srgbClr val="FFFF00"/>
                 </a:solidFill>
               </a:rPr>
-              <a:t>是一门梦幻般的脚本语言，可以出色地完成许多任务。</a:t>
+              <a:t>的最大弱点。随着时代的发展，</a:t>
             </a:r>
             <a:r>
               <a:rPr lang="en-US" altLang="zh-CN" sz="2000" dirty="0" smtClean="0">
@@ -17869,7 +17934,7 @@
                   <a:srgbClr val="FFFF00"/>
                 </a:solidFill>
               </a:rPr>
-              <a:t>许多语法糖可以大幅提高生产效率，各种各样的库和</a:t>
+              <a:t>的速度确实是越来越快。当然，</a:t>
             </a:r>
             <a:r>
               <a:rPr lang="en-US" altLang="zh-CN" sz="2000" dirty="0" smtClean="0">
@@ -17877,7 +17942,7 @@
                   <a:srgbClr val="FFFF00"/>
                 </a:solidFill>
               </a:rPr>
-              <a:t>gem</a:t>
+              <a:t>Ruby</a:t>
             </a:r>
             <a:r>
               <a:rPr lang="zh-CN" altLang="en-US" sz="2000" dirty="0" smtClean="0">
@@ -17885,23 +17950,7 @@
                   <a:srgbClr val="FFFF00"/>
                 </a:solidFill>
               </a:rPr>
-              <a:t>（</a:t>
-            </a:r>
-            <a:r>
-              <a:rPr lang="en-US" altLang="zh-CN" sz="2000" dirty="0" smtClean="0">
-                <a:solidFill>
-                  <a:srgbClr val="FFFF00"/>
-                </a:solidFill>
-              </a:rPr>
-              <a:t>Ruby</a:t>
-            </a:r>
-            <a:r>
-              <a:rPr lang="zh-CN" altLang="en-US" sz="2000" dirty="0" smtClean="0">
-                <a:solidFill>
-                  <a:srgbClr val="FFFF00"/>
-                </a:solidFill>
-              </a:rPr>
-              <a:t>包）可以满足绝大多数日常需要。</a:t>
+              <a:t>是创建目的为了改善程序员的体验，在对性能要求不高的应用场景下，性能换来生产效率的大幅提升无疑是值得的。</a:t>
             </a:r>
             <a:br>
               <a:rPr lang="zh-CN" altLang="en-US" sz="2000" dirty="0" smtClean="0">
@@ -17924,6 +17973,37 @@
                   <a:srgbClr val="FFFF00"/>
                 </a:solidFill>
               </a:rPr>
+              <a:t>2</a:t>
+            </a:r>
+            <a:r>
+              <a:rPr lang="zh-CN" altLang="en-US" sz="2000" dirty="0" smtClean="0">
+                <a:solidFill>
+                  <a:srgbClr val="FFFF00"/>
+                </a:solidFill>
+              </a:rPr>
+              <a:t>）并发和面向对象编程：面向对象是建立在状态包装一系列行为的基础上，但通常状态是会改变的。程序中存在并发时，这种编程策略就会引发严重问题。</a:t>
+            </a:r>
+            <a:br>
+              <a:rPr lang="zh-CN" altLang="en-US" sz="2000" dirty="0" smtClean="0">
+                <a:solidFill>
+                  <a:srgbClr val="FFFF00"/>
+                </a:solidFill>
+              </a:rPr>
+            </a:br>
+            <a:r>
+              <a:rPr lang="zh-CN" altLang="en-US" sz="2000" dirty="0" smtClean="0">
+                <a:solidFill>
+                  <a:srgbClr val="FFFF00"/>
+                </a:solidFill>
+              </a:rPr>
+              <a:t>（</a:t>
+            </a:r>
+            <a:r>
+              <a:rPr lang="en-US" altLang="zh-CN" sz="2000" dirty="0" smtClean="0">
+                <a:solidFill>
+                  <a:srgbClr val="FFFF00"/>
+                </a:solidFill>
+              </a:rPr>
               <a:t>3</a:t>
             </a:r>
             <a:r>
@@ -17932,7 +18012,7 @@
                   <a:srgbClr val="FFFF00"/>
                 </a:solidFill>
               </a:rPr>
-              <a:t>）</a:t>
+              <a:t>）类型安全：静态类型可提供一整套工具，可以更轻松地构造语法树，也因此能实现各种</a:t>
             </a:r>
             <a:r>
               <a:rPr lang="en-US" altLang="zh-CN" sz="2000" dirty="0" smtClean="0">
@@ -17940,7 +18020,7 @@
                   <a:srgbClr val="FFFF00"/>
                 </a:solidFill>
               </a:rPr>
-              <a:t>Web</a:t>
+              <a:t>IDE</a:t>
             </a:r>
             <a:r>
               <a:rPr lang="zh-CN" altLang="en-US" sz="2000" dirty="0" smtClean="0">
@@ -17948,7 +18028,7 @@
                   <a:srgbClr val="FFFF00"/>
                 </a:solidFill>
               </a:rPr>
-              <a:t>开发：很多人学</a:t>
+              <a:t>。对</a:t>
             </a:r>
             <a:r>
               <a:rPr lang="en-US" altLang="zh-CN" sz="2000" dirty="0" smtClean="0">
@@ -17964,7 +18044,7 @@
                   <a:srgbClr val="FFFF00"/>
                 </a:solidFill>
               </a:rPr>
-              <a:t>最终就是为了用</a:t>
+              <a:t>这种动态类型语言来说，实现</a:t>
             </a:r>
             <a:r>
               <a:rPr lang="en-US" altLang="zh-CN" sz="2000" dirty="0" smtClean="0">
@@ -17972,7 +18052,7 @@
                   <a:srgbClr val="FFFF00"/>
                 </a:solidFill>
               </a:rPr>
-              <a:t>Ruby on Rails</a:t>
+              <a:t>IDE</a:t>
             </a:r>
             <a:r>
               <a:rPr lang="zh-CN" altLang="en-US" sz="2000" dirty="0" smtClean="0">
@@ -17980,130 +18060,8 @@
                   <a:srgbClr val="FFFF00"/>
                 </a:solidFill>
               </a:rPr>
-              <a:t>框架来进行</a:t>
-            </a:r>
-            <a:r>
-              <a:rPr lang="en-US" altLang="zh-CN" sz="2000" dirty="0" smtClean="0">
-                <a:solidFill>
-                  <a:srgbClr val="FFFF00"/>
-                </a:solidFill>
-              </a:rPr>
-              <a:t>Web</a:t>
-            </a:r>
-            <a:r>
-              <a:rPr lang="zh-CN" altLang="en-US" sz="2000" dirty="0" smtClean="0">
-                <a:solidFill>
-                  <a:srgbClr val="FFFF00"/>
-                </a:solidFill>
-              </a:rPr>
-              <a:t>开发。作为一个极其成功的</a:t>
-            </a:r>
-            <a:r>
-              <a:rPr lang="en-US" altLang="zh-CN" sz="2000" dirty="0" smtClean="0">
-                <a:solidFill>
-                  <a:srgbClr val="FFFF00"/>
-                </a:solidFill>
-              </a:rPr>
-              <a:t>MVC</a:t>
-            </a:r>
-            <a:r>
-              <a:rPr lang="zh-CN" altLang="en-US" sz="2000" dirty="0" smtClean="0">
-                <a:solidFill>
-                  <a:srgbClr val="FFFF00"/>
-                </a:solidFill>
-              </a:rPr>
-              <a:t>框架，其有着广泛的社区支持及优雅的语法。</a:t>
-            </a:r>
-            <a:r>
-              <a:rPr lang="en-US" altLang="zh-CN" sz="2000" dirty="0" smtClean="0">
-                <a:solidFill>
-                  <a:srgbClr val="FFFF00"/>
-                </a:solidFill>
-              </a:rPr>
-              <a:t>Twitter</a:t>
-            </a:r>
-            <a:r>
-              <a:rPr lang="zh-CN" altLang="en-US" sz="2000" dirty="0" smtClean="0">
-                <a:solidFill>
-                  <a:srgbClr val="FFFF00"/>
-                </a:solidFill>
-              </a:rPr>
-              <a:t>最初就是用</a:t>
-            </a:r>
-            <a:r>
-              <a:rPr lang="en-US" altLang="zh-CN" sz="2000" dirty="0" smtClean="0">
-                <a:solidFill>
-                  <a:srgbClr val="FFFF00"/>
-                </a:solidFill>
-              </a:rPr>
-              <a:t>Ruby</a:t>
-            </a:r>
-            <a:r>
-              <a:rPr lang="zh-CN" altLang="en-US" sz="2000" dirty="0" smtClean="0">
-                <a:solidFill>
-                  <a:srgbClr val="FFFF00"/>
-                </a:solidFill>
-              </a:rPr>
-              <a:t>实现的，借助</a:t>
-            </a:r>
-            <a:r>
-              <a:rPr lang="en-US" altLang="zh-CN" sz="2000" dirty="0" smtClean="0">
-                <a:solidFill>
-                  <a:srgbClr val="FFFF00"/>
-                </a:solidFill>
-              </a:rPr>
-              <a:t>Ruby</a:t>
-            </a:r>
-            <a:r>
-              <a:rPr lang="zh-CN" altLang="en-US" sz="2000" dirty="0" smtClean="0">
-                <a:solidFill>
-                  <a:srgbClr val="FFFF00"/>
-                </a:solidFill>
-              </a:rPr>
-              <a:t>无比强大的生产力，可以快速地开发出一个可推向市场的合格产品。</a:t>
-            </a:r>
-            <a:r>
-              <a:rPr lang="zh-CN" altLang="en-US" dirty="0" smtClean="0"/>
-              <a:t/>
-            </a:r>
-            <a:br>
-              <a:rPr lang="zh-CN" altLang="en-US" dirty="0" smtClean="0"/>
-            </a:br>
-            <a:endParaRPr lang="zh-CN" altLang="en-US" dirty="0"/>
-          </a:p>
-        </p:txBody>
-      </p:sp>
-      <p:sp>
-        <p:nvSpPr>
-          <p:cNvPr id="12" name="TextBox 11"/>
-          <p:cNvSpPr txBox="1"/>
-          <p:nvPr/>
-        </p:nvSpPr>
-        <p:spPr>
-          <a:xfrm>
-            <a:off x="395536" y="627534"/>
-            <a:ext cx="6624736" cy="523220"/>
-          </a:xfrm>
-          <a:prstGeom prst="rect">
-            <a:avLst/>
-          </a:prstGeom>
-          <a:noFill/>
-        </p:spPr>
-        <p:txBody>
-          <a:bodyPr wrap="square" rtlCol="0">
-            <a:spAutoFit/>
-          </a:bodyPr>
-          <a:lstStyle/>
-          <a:p>
-            <a:r>
-              <a:rPr lang="zh-CN" altLang="en-US" sz="2800" dirty="0" smtClean="0">
-                <a:solidFill>
-                  <a:srgbClr val="FFFF00"/>
-                </a:solidFill>
-              </a:rPr>
-              <a:t>核心优势：</a:t>
-            </a:r>
-            <a:endParaRPr lang="zh-CN" altLang="en-US" sz="2800" dirty="0"/>
+              <a:t>就困难得多。</a:t>
+            </a:r>
           </a:p>
         </p:txBody>
       </p:sp>
@@ -18192,14 +18150,52 @@
       </p:sp>
       <p:sp>
         <p:nvSpPr>
-          <p:cNvPr id="11" name="TextBox 10"/>
+          <p:cNvPr id="6" name="TextBox 5"/>
           <p:cNvSpPr txBox="1"/>
           <p:nvPr/>
         </p:nvSpPr>
         <p:spPr>
           <a:xfrm>
-            <a:off x="611560" y="0"/>
-            <a:ext cx="7488832" cy="5355312"/>
+            <a:off x="467544" y="627534"/>
+            <a:ext cx="5256584" cy="461665"/>
+          </a:xfrm>
+          <a:prstGeom prst="rect">
+            <a:avLst/>
+          </a:prstGeom>
+          <a:noFill/>
+        </p:spPr>
+        <p:txBody>
+          <a:bodyPr wrap="square" rtlCol="0">
+            <a:spAutoFit/>
+          </a:bodyPr>
+          <a:lstStyle/>
+          <a:p>
+            <a:r>
+              <a:rPr lang="zh-CN" altLang="en-US" sz="2400" dirty="0" smtClean="0">
+                <a:solidFill>
+                  <a:srgbClr val="FFFF00"/>
+                </a:solidFill>
+              </a:rPr>
+              <a:t>参考资料</a:t>
+            </a:r>
+            <a:endParaRPr lang="zh-CN" altLang="en-US" sz="2400" dirty="0">
+              <a:solidFill>
+                <a:srgbClr val="FFFF00"/>
+              </a:solidFill>
+            </a:endParaRPr>
+          </a:p>
+        </p:txBody>
+      </p:sp>
+      <p:sp>
+        <p:nvSpPr>
+          <p:cNvPr id="10" name="TextBox 9"/>
+          <p:cNvSpPr txBox="1"/>
+          <p:nvPr/>
+        </p:nvSpPr>
+        <p:spPr>
+          <a:xfrm>
+            <a:off x="611560" y="1347614"/>
+            <a:ext cx="8352928" cy="1754326"/>
           </a:xfrm>
           <a:prstGeom prst="rect">
             <a:avLst/>
@@ -18218,210 +18214,87 @@
               </a:lnSpc>
             </a:pPr>
             <a:r>
-              <a:rPr lang="zh-CN" altLang="en-US" sz="2800" dirty="0" smtClean="0">
-                <a:solidFill>
-                  <a:srgbClr val="FFFF00"/>
-                </a:solidFill>
-              </a:rPr>
-              <a:t>不足之处：</a:t>
-            </a:r>
-            <a:r>
-              <a:rPr lang="zh-CN" altLang="en-US" sz="2000" dirty="0" smtClean="0">
-                <a:solidFill>
-                  <a:srgbClr val="FFFF00"/>
-                </a:solidFill>
-              </a:rPr>
-              <a:t/>
-            </a:r>
-            <a:br>
-              <a:rPr lang="zh-CN" altLang="en-US" sz="2000" dirty="0" smtClean="0">
-                <a:solidFill>
-                  <a:srgbClr val="FFFF00"/>
-                </a:solidFill>
-              </a:rPr>
-            </a:br>
-            <a:r>
-              <a:rPr lang="zh-CN" altLang="en-US" sz="2000" dirty="0" smtClean="0">
-                <a:solidFill>
-                  <a:srgbClr val="FFFF00"/>
-                </a:solidFill>
-              </a:rPr>
-              <a:t>（</a:t>
-            </a:r>
-            <a:r>
-              <a:rPr lang="en-US" altLang="zh-CN" sz="2000" dirty="0" smtClean="0">
-                <a:solidFill>
-                  <a:srgbClr val="FFFF00"/>
-                </a:solidFill>
-              </a:rPr>
-              <a:t>1</a:t>
-            </a:r>
-            <a:r>
-              <a:rPr lang="zh-CN" altLang="en-US" sz="2000" dirty="0" smtClean="0">
-                <a:solidFill>
-                  <a:srgbClr val="FFFF00"/>
-                </a:solidFill>
-              </a:rPr>
-              <a:t>）性能：这是</a:t>
-            </a:r>
-            <a:r>
-              <a:rPr lang="en-US" altLang="zh-CN" sz="2000" dirty="0" smtClean="0">
-                <a:solidFill>
-                  <a:srgbClr val="FFFF00"/>
-                </a:solidFill>
-              </a:rPr>
-              <a:t>Ruby</a:t>
-            </a:r>
-            <a:r>
-              <a:rPr lang="zh-CN" altLang="en-US" sz="2000" dirty="0" smtClean="0">
-                <a:solidFill>
-                  <a:srgbClr val="FFFF00"/>
-                </a:solidFill>
-              </a:rPr>
-              <a:t>的最大弱点。随着时代的发展，</a:t>
-            </a:r>
-            <a:r>
-              <a:rPr lang="en-US" altLang="zh-CN" sz="2000" dirty="0" smtClean="0">
-                <a:solidFill>
-                  <a:srgbClr val="FFFF00"/>
-                </a:solidFill>
-              </a:rPr>
-              <a:t>Ruby</a:t>
-            </a:r>
-            <a:r>
-              <a:rPr lang="zh-CN" altLang="en-US" sz="2000" dirty="0" smtClean="0">
-                <a:solidFill>
-                  <a:srgbClr val="FFFF00"/>
-                </a:solidFill>
-              </a:rPr>
-              <a:t>的速度确实是越来越快。当然，</a:t>
-            </a:r>
-            <a:r>
-              <a:rPr lang="en-US" altLang="zh-CN" sz="2000" dirty="0" smtClean="0">
-                <a:solidFill>
-                  <a:srgbClr val="FFFF00"/>
-                </a:solidFill>
-              </a:rPr>
-              <a:t>Ruby</a:t>
-            </a:r>
-            <a:r>
-              <a:rPr lang="zh-CN" altLang="en-US" sz="2000" dirty="0" smtClean="0">
-                <a:solidFill>
-                  <a:srgbClr val="FFFF00"/>
-                </a:solidFill>
-              </a:rPr>
-              <a:t>是创建目的为了改善程序员的体验，在对性能要求不高的应用场景下，性能换来生产效率的大幅提升无疑是值得的。</a:t>
-            </a:r>
-            <a:br>
-              <a:rPr lang="zh-CN" altLang="en-US" sz="2000" dirty="0" smtClean="0">
-                <a:solidFill>
-                  <a:srgbClr val="FFFF00"/>
-                </a:solidFill>
-              </a:rPr>
-            </a:br>
-            <a:r>
-              <a:rPr lang="zh-CN" altLang="en-US" sz="2000" dirty="0" smtClean="0">
-                <a:solidFill>
-                  <a:srgbClr val="FFFF00"/>
-                </a:solidFill>
-              </a:rPr>
-              <a:t>（</a:t>
-            </a:r>
-            <a:r>
-              <a:rPr lang="en-US" altLang="zh-CN" sz="2000" dirty="0" smtClean="0">
-                <a:solidFill>
-                  <a:srgbClr val="FFFF00"/>
-                </a:solidFill>
-              </a:rPr>
-              <a:t>2</a:t>
-            </a:r>
-            <a:r>
-              <a:rPr lang="zh-CN" altLang="en-US" sz="2000" dirty="0" smtClean="0">
-                <a:solidFill>
-                  <a:srgbClr val="FFFF00"/>
-                </a:solidFill>
-              </a:rPr>
-              <a:t>）并发和面向对象编程：面向对象是建立在状态包装一系列行为的基础上，但通常状态是会改变的。程序中存在并发时，这种编程策略就会引发严重问题。</a:t>
-            </a:r>
-            <a:br>
-              <a:rPr lang="zh-CN" altLang="en-US" sz="2000" dirty="0" smtClean="0">
-                <a:solidFill>
-                  <a:srgbClr val="FFFF00"/>
-                </a:solidFill>
-              </a:rPr>
-            </a:br>
-            <a:r>
-              <a:rPr lang="zh-CN" altLang="en-US" sz="2000" dirty="0" smtClean="0">
-                <a:solidFill>
-                  <a:srgbClr val="FFFF00"/>
-                </a:solidFill>
-              </a:rPr>
-              <a:t>（</a:t>
-            </a:r>
-            <a:r>
-              <a:rPr lang="en-US" altLang="zh-CN" sz="2000" dirty="0" smtClean="0">
-                <a:solidFill>
-                  <a:srgbClr val="FFFF00"/>
-                </a:solidFill>
-              </a:rPr>
-              <a:t>3</a:t>
-            </a:r>
-            <a:r>
-              <a:rPr lang="zh-CN" altLang="en-US" sz="2000" dirty="0" smtClean="0">
-                <a:solidFill>
-                  <a:srgbClr val="FFFF00"/>
-                </a:solidFill>
-              </a:rPr>
-              <a:t>）类型安全：静态类型可提供一整套工具，可以更轻松地构造语法树，也因此能实现各种</a:t>
-            </a:r>
-            <a:r>
-              <a:rPr lang="en-US" altLang="zh-CN" sz="2000" dirty="0" smtClean="0">
-                <a:solidFill>
-                  <a:srgbClr val="FFFF00"/>
-                </a:solidFill>
-              </a:rPr>
-              <a:t>IDE</a:t>
-            </a:r>
-            <a:r>
-              <a:rPr lang="zh-CN" altLang="en-US" sz="2000" dirty="0" smtClean="0">
-                <a:solidFill>
-                  <a:srgbClr val="FFFF00"/>
-                </a:solidFill>
-              </a:rPr>
-              <a:t>。对</a:t>
-            </a:r>
-            <a:r>
-              <a:rPr lang="en-US" altLang="zh-CN" sz="2000" dirty="0" smtClean="0">
-                <a:solidFill>
-                  <a:srgbClr val="FFFF00"/>
-                </a:solidFill>
-              </a:rPr>
-              <a:t>Ruby</a:t>
-            </a:r>
-            <a:r>
-              <a:rPr lang="zh-CN" altLang="en-US" sz="2000" dirty="0" smtClean="0">
-                <a:solidFill>
-                  <a:srgbClr val="FFFF00"/>
-                </a:solidFill>
-              </a:rPr>
-              <a:t>这种动态类型语言来说，实现</a:t>
-            </a:r>
-            <a:r>
-              <a:rPr lang="en-US" altLang="zh-CN" sz="2000" dirty="0" smtClean="0">
-                <a:solidFill>
-                  <a:srgbClr val="FFFF00"/>
-                </a:solidFill>
-              </a:rPr>
-              <a:t>IDE</a:t>
-            </a:r>
-            <a:r>
-              <a:rPr lang="zh-CN" altLang="en-US" sz="2000" dirty="0" smtClean="0">
-                <a:solidFill>
-                  <a:srgbClr val="FFFF00"/>
-                </a:solidFill>
-              </a:rPr>
-              <a:t>就困难得多。</a:t>
-            </a:r>
+              <a:rPr lang="en-US" altLang="zh-CN" sz="2400" dirty="0" smtClean="0">
+                <a:solidFill>
+                  <a:srgbClr val="FFFF00"/>
+                </a:solidFill>
+              </a:rPr>
+              <a:t>Ruby </a:t>
+            </a:r>
+            <a:r>
+              <a:rPr lang="zh-CN" altLang="en-US" sz="2400" dirty="0" smtClean="0">
+                <a:solidFill>
+                  <a:srgbClr val="FFFF00"/>
+                </a:solidFill>
+              </a:rPr>
+              <a:t>编程规范  </a:t>
+            </a:r>
+            <a:r>
+              <a:rPr lang="en-US" altLang="zh-CN" sz="2400" dirty="0" smtClean="0">
+                <a:solidFill>
+                  <a:srgbClr val="FFFF00"/>
+                </a:solidFill>
+              </a:rPr>
+              <a:t>http://blackanger.blog.51cto.com</a:t>
+            </a:r>
+          </a:p>
+          <a:p>
+            <a:pPr>
+              <a:lnSpc>
+                <a:spcPct val="150000"/>
+              </a:lnSpc>
+            </a:pPr>
+            <a:r>
+              <a:rPr lang="en-US" altLang="zh-CN" sz="2400" dirty="0" smtClean="0">
+                <a:solidFill>
+                  <a:srgbClr val="FFFF00"/>
+                </a:solidFill>
+              </a:rPr>
+              <a:t>MOOC</a:t>
+            </a:r>
+            <a:r>
+              <a:rPr lang="zh-CN" altLang="en-US" sz="2400" dirty="0" smtClean="0">
+                <a:solidFill>
+                  <a:srgbClr val="FFFF00"/>
+                </a:solidFill>
+              </a:rPr>
+              <a:t>课堂在线        </a:t>
+            </a:r>
+            <a:r>
+              <a:rPr lang="en-US" altLang="zh-CN" sz="2400" b="1" dirty="0" smtClean="0">
+                <a:solidFill>
+                  <a:srgbClr val="FFFF00"/>
+                </a:solidFill>
+                <a:latin typeface="仿宋" panose="02010609060101010101" charset="-122"/>
+                <a:ea typeface="仿宋" panose="02010609060101010101" charset="-122"/>
+              </a:rPr>
+              <a:t>www.xuetangx.com </a:t>
+            </a:r>
+            <a:endParaRPr lang="en-US" altLang="zh-CN" sz="2400" b="1" dirty="0" smtClean="0">
+              <a:solidFill>
+                <a:srgbClr val="FFFF00"/>
+              </a:solidFill>
+            </a:endParaRPr>
+          </a:p>
+          <a:p>
+            <a:pPr>
+              <a:lnSpc>
+                <a:spcPct val="150000"/>
+              </a:lnSpc>
+            </a:pPr>
+            <a:r>
+              <a:rPr lang="zh-CN" altLang="en-US" sz="2400" dirty="0" smtClean="0">
+                <a:solidFill>
+                  <a:srgbClr val="FFFF00"/>
+                </a:solidFill>
+              </a:rPr>
+              <a:t>软件工程导论（第六版）张海藩 牟永敏著</a:t>
+            </a:r>
+            <a:endParaRPr lang="zh-CN" altLang="en-US" sz="2400" dirty="0">
+              <a:solidFill>
+                <a:srgbClr val="FFFF00"/>
+              </a:solidFill>
+            </a:endParaRPr>
           </a:p>
         </p:txBody>
       </p:sp>
@@ -18536,7 +18409,7 @@
                   <a:srgbClr val="FFFF00"/>
                 </a:solidFill>
               </a:rPr>
-              <a:t>参考资料</a:t>
+              <a:t>小组评价</a:t>
             </a:r>
             <a:endParaRPr lang="zh-CN" altLang="en-US" sz="2400" dirty="0">
               <a:solidFill>
@@ -18548,14 +18421,14 @@
       </p:sp>
       <p:sp>
         <p:nvSpPr>
-          <p:cNvPr id="10" name="TextBox 9"/>
+          <p:cNvPr id="5" name="TextBox 4"/>
           <p:cNvSpPr txBox="1"/>
           <p:nvPr/>
         </p:nvSpPr>
         <p:spPr>
           <a:xfrm>
-            <a:off x="611560" y="1347614"/>
-            <a:ext cx="8352928" cy="1754326"/>
+            <a:off x="827584" y="1347614"/>
+            <a:ext cx="5904656" cy="2585323"/>
           </a:xfrm>
           <a:prstGeom prst="rect">
             <a:avLst/>
@@ -18568,93 +18441,217 @@
           </a:bodyPr>
           <a:lstStyle/>
           <a:p>
-            <a:pPr>
-              <a:lnSpc>
-                <a:spcPct val="150000"/>
-              </a:lnSpc>
-            </a:pPr>
-            <a:r>
-              <a:rPr lang="en-US" altLang="zh-CN" sz="2400" dirty="0" smtClean="0">
-                <a:solidFill>
-                  <a:srgbClr val="FFFF00"/>
-                </a:solidFill>
-              </a:rPr>
-              <a:t>Ruby </a:t>
-            </a:r>
             <a:r>
               <a:rPr lang="zh-CN" altLang="en-US" sz="2400" dirty="0" smtClean="0">
-                <a:solidFill>
-                  <a:srgbClr val="FFFF00"/>
-                </a:solidFill>
-              </a:rPr>
-              <a:t>编程规范  </a:t>
-            </a:r>
-            <a:r>
-              <a:rPr lang="en-US" altLang="zh-CN" sz="2400" dirty="0" smtClean="0">
-                <a:solidFill>
-                  <a:srgbClr val="FFFF00"/>
-                </a:solidFill>
-              </a:rPr>
-              <a:t>http://blackanger.blog.51cto.com</a:t>
-            </a:r>
-          </a:p>
-          <a:p>
-            <a:pPr>
-              <a:lnSpc>
-                <a:spcPct val="150000"/>
-              </a:lnSpc>
-            </a:pPr>
-            <a:r>
-              <a:rPr lang="en-US" altLang="zh-CN" sz="2400" dirty="0" smtClean="0">
-                <a:solidFill>
-                  <a:srgbClr val="FFFF00"/>
-                </a:solidFill>
-              </a:rPr>
-              <a:t>MOOC</a:t>
-            </a:r>
-            <a:r>
-              <a:rPr lang="zh-CN" altLang="en-US" sz="2400" dirty="0" smtClean="0">
-                <a:solidFill>
-                  <a:srgbClr val="FFFF00"/>
-                </a:solidFill>
-              </a:rPr>
-              <a:t>课堂在线        </a:t>
-            </a:r>
-            <a:r>
-              <a:rPr lang="en-US" altLang="zh-CN" sz="2400" b="1" dirty="0" smtClean="0">
                 <a:solidFill>
                   <a:srgbClr val="FFFF00"/>
                 </a:solidFill>
                 <a:latin typeface="仿宋" panose="02010609060101010101" charset="-122"/>
                 <a:ea typeface="仿宋" panose="02010609060101010101" charset="-122"/>
               </a:rPr>
-              <a:t>www.xuetangx.com </a:t>
-            </a:r>
-            <a:endParaRPr lang="en-US" altLang="zh-CN" sz="2400" b="1" dirty="0" smtClean="0">
+              <a:t>郑丁公：详细设计文档</a:t>
+            </a:r>
+            <a:r>
+              <a:rPr lang="en-US" altLang="zh-CN" sz="2400" dirty="0" smtClean="0">
+                <a:solidFill>
+                  <a:srgbClr val="FFFF00"/>
+                </a:solidFill>
+                <a:latin typeface="仿宋" panose="02010609060101010101" charset="-122"/>
+                <a:ea typeface="仿宋" panose="02010609060101010101" charset="-122"/>
+              </a:rPr>
+              <a:t>word</a:t>
+            </a:r>
+            <a:r>
+              <a:rPr lang="zh-CN" altLang="en-US" sz="2400" dirty="0" smtClean="0">
+                <a:solidFill>
+                  <a:srgbClr val="FFFF00"/>
+                </a:solidFill>
+                <a:latin typeface="仿宋" panose="02010609060101010101" charset="-122"/>
+                <a:ea typeface="仿宋" panose="02010609060101010101" charset="-122"/>
+              </a:rPr>
+              <a:t>，脚本编写</a:t>
+            </a:r>
+            <a:endParaRPr lang="en-US" altLang="zh-CN" sz="2400" dirty="0" smtClean="0">
               <a:solidFill>
                 <a:srgbClr val="FFFF00"/>
               </a:solidFill>
+              <a:latin typeface="仿宋" panose="02010609060101010101" charset="-122"/>
+              <a:ea typeface="仿宋" panose="02010609060101010101" charset="-122"/>
             </a:endParaRPr>
           </a:p>
           <a:p>
-            <a:pPr>
-              <a:lnSpc>
-                <a:spcPct val="150000"/>
-              </a:lnSpc>
-            </a:pPr>
             <a:r>
               <a:rPr lang="zh-CN" altLang="en-US" sz="2400" dirty="0" smtClean="0">
                 <a:solidFill>
                   <a:srgbClr val="FFFF00"/>
                 </a:solidFill>
-              </a:rPr>
-              <a:t>软件工程导论（第六版）张海藩 牟永敏著</a:t>
-            </a:r>
-            <a:endParaRPr lang="zh-CN" altLang="en-US" sz="2400" dirty="0">
+                <a:latin typeface="仿宋" panose="02010609060101010101" charset="-122"/>
+                <a:ea typeface="仿宋" panose="02010609060101010101" charset="-122"/>
+              </a:rPr>
+              <a:t>评分：</a:t>
+            </a:r>
+            <a:r>
+              <a:rPr lang="en-US" altLang="zh-CN" sz="2400" dirty="0" smtClean="0">
+                <a:solidFill>
+                  <a:srgbClr val="FFFF00"/>
+                </a:solidFill>
+                <a:latin typeface="仿宋" panose="02010609060101010101" charset="-122"/>
+                <a:ea typeface="仿宋" panose="02010609060101010101" charset="-122"/>
+              </a:rPr>
+              <a:t>6</a:t>
+            </a:r>
+          </a:p>
+          <a:p>
+            <a:r>
+              <a:rPr lang="zh-CN" altLang="en-US" sz="2400" dirty="0" smtClean="0">
+                <a:solidFill>
+                  <a:srgbClr val="FFFF00"/>
+                </a:solidFill>
+                <a:latin typeface="仿宋" panose="02010609060101010101" charset="-122"/>
+                <a:ea typeface="仿宋" panose="02010609060101010101" charset="-122"/>
+              </a:rPr>
+              <a:t>嵇德宏：编码设计</a:t>
+            </a:r>
+            <a:r>
+              <a:rPr lang="en-US" altLang="zh-CN" sz="2400" dirty="0" err="1" smtClean="0">
+                <a:solidFill>
+                  <a:srgbClr val="FFFF00"/>
+                </a:solidFill>
+                <a:latin typeface="仿宋" panose="02010609060101010101" charset="-122"/>
+                <a:ea typeface="仿宋" panose="02010609060101010101" charset="-122"/>
+              </a:rPr>
+              <a:t>ppt</a:t>
+            </a:r>
+            <a:r>
+              <a:rPr lang="zh-CN" altLang="en-US" sz="2400" dirty="0" smtClean="0">
+                <a:solidFill>
+                  <a:srgbClr val="FFFF00"/>
+                </a:solidFill>
+                <a:latin typeface="仿宋" panose="02010609060101010101" charset="-122"/>
+                <a:ea typeface="仿宋" panose="02010609060101010101" charset="-122"/>
+              </a:rPr>
+              <a:t>，会议记录</a:t>
+            </a:r>
+            <a:endParaRPr lang="en-US" altLang="zh-CN" sz="2400" dirty="0" smtClean="0">
               <a:solidFill>
                 <a:srgbClr val="FFFF00"/>
               </a:solidFill>
+              <a:latin typeface="仿宋" panose="02010609060101010101" charset="-122"/>
+              <a:ea typeface="仿宋" panose="02010609060101010101" charset="-122"/>
             </a:endParaRPr>
+          </a:p>
+          <a:p>
+            <a:r>
+              <a:rPr lang="zh-CN" altLang="en-US" sz="2400" dirty="0" smtClean="0">
+                <a:solidFill>
+                  <a:srgbClr val="FFFF00"/>
+                </a:solidFill>
+                <a:latin typeface="仿宋" panose="02010609060101010101" charset="-122"/>
+                <a:ea typeface="仿宋" panose="02010609060101010101" charset="-122"/>
+              </a:rPr>
+              <a:t>评分：</a:t>
+            </a:r>
+            <a:r>
+              <a:rPr lang="en-US" altLang="zh-CN" sz="2400" dirty="0" smtClean="0">
+                <a:solidFill>
+                  <a:srgbClr val="FFFF00"/>
+                </a:solidFill>
+                <a:latin typeface="仿宋" panose="02010609060101010101" charset="-122"/>
+                <a:ea typeface="仿宋" panose="02010609060101010101" charset="-122"/>
+              </a:rPr>
+              <a:t>6</a:t>
+            </a:r>
+          </a:p>
+          <a:p>
+            <a:r>
+              <a:rPr lang="zh-CN" altLang="en-US" sz="2400" dirty="0" smtClean="0">
+                <a:solidFill>
+                  <a:srgbClr val="FFFF00"/>
+                </a:solidFill>
+                <a:latin typeface="仿宋" panose="02010609060101010101" charset="-122"/>
+                <a:ea typeface="仿宋" panose="02010609060101010101" charset="-122"/>
+              </a:rPr>
+              <a:t>谢正树：总体设计</a:t>
+            </a:r>
+            <a:r>
+              <a:rPr lang="en-US" altLang="zh-CN" sz="2400" dirty="0" smtClean="0">
+                <a:solidFill>
+                  <a:srgbClr val="FFFF00"/>
+                </a:solidFill>
+                <a:latin typeface="仿宋" panose="02010609060101010101" charset="-122"/>
+                <a:ea typeface="仿宋" panose="02010609060101010101" charset="-122"/>
+              </a:rPr>
+              <a:t>word</a:t>
+            </a:r>
+            <a:r>
+              <a:rPr lang="zh-CN" altLang="en-US" sz="2400" dirty="0" smtClean="0">
+                <a:solidFill>
+                  <a:srgbClr val="FFFF00"/>
+                </a:solidFill>
+                <a:latin typeface="仿宋" panose="02010609060101010101" charset="-122"/>
+                <a:ea typeface="仿宋" panose="02010609060101010101" charset="-122"/>
+              </a:rPr>
+              <a:t>修改，</a:t>
+            </a:r>
+            <a:r>
+              <a:rPr lang="en-US" altLang="zh-CN" sz="2400" dirty="0" err="1" smtClean="0">
+                <a:solidFill>
+                  <a:srgbClr val="FFFF00"/>
+                </a:solidFill>
+                <a:latin typeface="仿宋" panose="02010609060101010101" charset="-122"/>
+                <a:ea typeface="仿宋" panose="02010609060101010101" charset="-122"/>
+              </a:rPr>
+              <a:t>ui</a:t>
+            </a:r>
+            <a:r>
+              <a:rPr lang="zh-CN" altLang="en-US" sz="2400" dirty="0" smtClean="0">
+                <a:solidFill>
+                  <a:srgbClr val="FFFF00"/>
+                </a:solidFill>
+                <a:latin typeface="仿宋" panose="02010609060101010101" charset="-122"/>
+                <a:ea typeface="仿宋" panose="02010609060101010101" charset="-122"/>
+              </a:rPr>
+              <a:t>设计修正</a:t>
+            </a:r>
+            <a:endParaRPr lang="en-US" altLang="zh-CN" sz="2400" dirty="0" smtClean="0">
+              <a:solidFill>
+                <a:srgbClr val="FFFF00"/>
+              </a:solidFill>
+              <a:latin typeface="仿宋" panose="02010609060101010101" charset="-122"/>
+              <a:ea typeface="仿宋" panose="02010609060101010101" charset="-122"/>
+            </a:endParaRPr>
+          </a:p>
+          <a:p>
+            <a:r>
+              <a:rPr lang="zh-CN" altLang="en-US" sz="2400" dirty="0" smtClean="0">
+                <a:solidFill>
+                  <a:srgbClr val="FFFF00"/>
+                </a:solidFill>
+                <a:latin typeface="仿宋" panose="02010609060101010101" charset="-122"/>
+                <a:ea typeface="仿宋" panose="02010609060101010101" charset="-122"/>
+              </a:rPr>
+              <a:t>评分：</a:t>
+            </a:r>
+            <a:r>
+              <a:rPr lang="en-US" altLang="zh-CN" sz="2400" dirty="0" smtClean="0">
+                <a:solidFill>
+                  <a:srgbClr val="FFFF00"/>
+                </a:solidFill>
+                <a:latin typeface="仿宋" panose="02010609060101010101" charset="-122"/>
+                <a:ea typeface="仿宋" panose="02010609060101010101" charset="-122"/>
+              </a:rPr>
+              <a:t>5</a:t>
+            </a:r>
+            <a:endParaRPr lang="zh-CN" altLang="en-US" sz="2400" dirty="0" smtClean="0">
+              <a:solidFill>
+                <a:srgbClr val="FFFF00"/>
+              </a:solidFill>
+              <a:latin typeface="仿宋" panose="02010609060101010101" charset="-122"/>
+              <a:ea typeface="仿宋" panose="02010609060101010101" charset="-122"/>
+            </a:endParaRPr>
+          </a:p>
+          <a:p>
+            <a:endParaRPr lang="zh-CN" altLang="en-US" dirty="0"/>
           </a:p>
         </p:txBody>
       </p:sp>
@@ -18769,363 +18766,6 @@
                   <a:srgbClr val="FFFF00"/>
                 </a:solidFill>
               </a:rPr>
-              <a:t>小组评价</a:t>
-            </a:r>
-            <a:endParaRPr lang="zh-CN" altLang="en-US" sz="2400" dirty="0">
-              <a:solidFill>
-                <a:srgbClr val="FFFF00"/>
-              </a:solidFill>
-            </a:endParaRPr>
-          </a:p>
-        </p:txBody>
-      </p:sp>
-      <p:sp>
-        <p:nvSpPr>
-          <p:cNvPr id="5" name="TextBox 4"/>
-          <p:cNvSpPr txBox="1"/>
-          <p:nvPr/>
-        </p:nvSpPr>
-        <p:spPr>
-          <a:xfrm>
-            <a:off x="827584" y="1347614"/>
-            <a:ext cx="5904656" cy="2585323"/>
-          </a:xfrm>
-          <a:prstGeom prst="rect">
-            <a:avLst/>
-          </a:prstGeom>
-          <a:noFill/>
-        </p:spPr>
-        <p:txBody>
-          <a:bodyPr wrap="square" rtlCol="0">
-            <a:spAutoFit/>
-          </a:bodyPr>
-          <a:lstStyle/>
-          <a:p>
-            <a:r>
-              <a:rPr lang="zh-CN" altLang="en-US" sz="2400" dirty="0" smtClean="0">
-                <a:solidFill>
-                  <a:srgbClr val="FFFF00"/>
-                </a:solidFill>
-                <a:latin typeface="仿宋" panose="02010609060101010101" charset="-122"/>
-                <a:ea typeface="仿宋" panose="02010609060101010101" charset="-122"/>
-              </a:rPr>
-              <a:t>郑丁公：详细设计文档</a:t>
-            </a:r>
-            <a:r>
-              <a:rPr lang="en-US" altLang="zh-CN" sz="2400" dirty="0" smtClean="0">
-                <a:solidFill>
-                  <a:srgbClr val="FFFF00"/>
-                </a:solidFill>
-                <a:latin typeface="仿宋" panose="02010609060101010101" charset="-122"/>
-                <a:ea typeface="仿宋" panose="02010609060101010101" charset="-122"/>
-              </a:rPr>
-              <a:t>word</a:t>
-            </a:r>
-            <a:r>
-              <a:rPr lang="zh-CN" altLang="en-US" sz="2400" dirty="0" smtClean="0">
-                <a:solidFill>
-                  <a:srgbClr val="FFFF00"/>
-                </a:solidFill>
-                <a:latin typeface="仿宋" panose="02010609060101010101" charset="-122"/>
-                <a:ea typeface="仿宋" panose="02010609060101010101" charset="-122"/>
-              </a:rPr>
-              <a:t>，脚本编写</a:t>
-            </a:r>
-            <a:endParaRPr lang="en-US" altLang="zh-CN" sz="2400" dirty="0" smtClean="0">
-              <a:solidFill>
-                <a:srgbClr val="FFFF00"/>
-              </a:solidFill>
-              <a:latin typeface="仿宋" panose="02010609060101010101" charset="-122"/>
-              <a:ea typeface="仿宋" panose="02010609060101010101" charset="-122"/>
-            </a:endParaRPr>
-          </a:p>
-          <a:p>
-            <a:r>
-              <a:rPr lang="zh-CN" altLang="en-US" sz="2400" dirty="0" smtClean="0">
-                <a:solidFill>
-                  <a:srgbClr val="FFFF00"/>
-                </a:solidFill>
-                <a:latin typeface="仿宋" panose="02010609060101010101" charset="-122"/>
-                <a:ea typeface="仿宋" panose="02010609060101010101" charset="-122"/>
-              </a:rPr>
-              <a:t>评分：</a:t>
-            </a:r>
-            <a:r>
-              <a:rPr lang="en-US" altLang="zh-CN" sz="2400" dirty="0" smtClean="0">
-                <a:solidFill>
-                  <a:srgbClr val="FFFF00"/>
-                </a:solidFill>
-                <a:latin typeface="仿宋" panose="02010609060101010101" charset="-122"/>
-                <a:ea typeface="仿宋" panose="02010609060101010101" charset="-122"/>
-              </a:rPr>
-              <a:t>6</a:t>
-            </a:r>
-          </a:p>
-          <a:p>
-            <a:r>
-              <a:rPr lang="zh-CN" altLang="en-US" sz="2400" dirty="0" smtClean="0">
-                <a:solidFill>
-                  <a:srgbClr val="FFFF00"/>
-                </a:solidFill>
-                <a:latin typeface="仿宋" panose="02010609060101010101" charset="-122"/>
-                <a:ea typeface="仿宋" panose="02010609060101010101" charset="-122"/>
-              </a:rPr>
-              <a:t>嵇德宏：编码设计</a:t>
-            </a:r>
-            <a:r>
-              <a:rPr lang="en-US" altLang="zh-CN" sz="2400" dirty="0" err="1" smtClean="0">
-                <a:solidFill>
-                  <a:srgbClr val="FFFF00"/>
-                </a:solidFill>
-                <a:latin typeface="仿宋" panose="02010609060101010101" charset="-122"/>
-                <a:ea typeface="仿宋" panose="02010609060101010101" charset="-122"/>
-              </a:rPr>
-              <a:t>ppt</a:t>
-            </a:r>
-            <a:r>
-              <a:rPr lang="zh-CN" altLang="en-US" sz="2400" dirty="0" smtClean="0">
-                <a:solidFill>
-                  <a:srgbClr val="FFFF00"/>
-                </a:solidFill>
-                <a:latin typeface="仿宋" panose="02010609060101010101" charset="-122"/>
-                <a:ea typeface="仿宋" panose="02010609060101010101" charset="-122"/>
-              </a:rPr>
-              <a:t>，会议记录</a:t>
-            </a:r>
-            <a:endParaRPr lang="en-US" altLang="zh-CN" sz="2400" dirty="0" smtClean="0">
-              <a:solidFill>
-                <a:srgbClr val="FFFF00"/>
-              </a:solidFill>
-              <a:latin typeface="仿宋" panose="02010609060101010101" charset="-122"/>
-              <a:ea typeface="仿宋" panose="02010609060101010101" charset="-122"/>
-            </a:endParaRPr>
-          </a:p>
-          <a:p>
-            <a:r>
-              <a:rPr lang="zh-CN" altLang="en-US" sz="2400" dirty="0" smtClean="0">
-                <a:solidFill>
-                  <a:srgbClr val="FFFF00"/>
-                </a:solidFill>
-                <a:latin typeface="仿宋" panose="02010609060101010101" charset="-122"/>
-                <a:ea typeface="仿宋" panose="02010609060101010101" charset="-122"/>
-              </a:rPr>
-              <a:t>评分：</a:t>
-            </a:r>
-            <a:r>
-              <a:rPr lang="en-US" altLang="zh-CN" sz="2400" dirty="0" smtClean="0">
-                <a:solidFill>
-                  <a:srgbClr val="FFFF00"/>
-                </a:solidFill>
-                <a:latin typeface="仿宋" panose="02010609060101010101" charset="-122"/>
-                <a:ea typeface="仿宋" panose="02010609060101010101" charset="-122"/>
-              </a:rPr>
-              <a:t>6</a:t>
-            </a:r>
-          </a:p>
-          <a:p>
-            <a:r>
-              <a:rPr lang="zh-CN" altLang="en-US" sz="2400" dirty="0" smtClean="0">
-                <a:solidFill>
-                  <a:srgbClr val="FFFF00"/>
-                </a:solidFill>
-                <a:latin typeface="仿宋" panose="02010609060101010101" charset="-122"/>
-                <a:ea typeface="仿宋" panose="02010609060101010101" charset="-122"/>
-              </a:rPr>
-              <a:t>谢正树：总体设计</a:t>
-            </a:r>
-            <a:r>
-              <a:rPr lang="en-US" altLang="zh-CN" sz="2400" dirty="0" smtClean="0">
-                <a:solidFill>
-                  <a:srgbClr val="FFFF00"/>
-                </a:solidFill>
-                <a:latin typeface="仿宋" panose="02010609060101010101" charset="-122"/>
-                <a:ea typeface="仿宋" panose="02010609060101010101" charset="-122"/>
-              </a:rPr>
-              <a:t>word</a:t>
-            </a:r>
-            <a:r>
-              <a:rPr lang="zh-CN" altLang="en-US" sz="2400" dirty="0" smtClean="0">
-                <a:solidFill>
-                  <a:srgbClr val="FFFF00"/>
-                </a:solidFill>
-                <a:latin typeface="仿宋" panose="02010609060101010101" charset="-122"/>
-                <a:ea typeface="仿宋" panose="02010609060101010101" charset="-122"/>
-              </a:rPr>
-              <a:t>修改，</a:t>
-            </a:r>
-            <a:r>
-              <a:rPr lang="en-US" altLang="zh-CN" sz="2400" dirty="0" err="1" smtClean="0">
-                <a:solidFill>
-                  <a:srgbClr val="FFFF00"/>
-                </a:solidFill>
-                <a:latin typeface="仿宋" panose="02010609060101010101" charset="-122"/>
-                <a:ea typeface="仿宋" panose="02010609060101010101" charset="-122"/>
-              </a:rPr>
-              <a:t>ui</a:t>
-            </a:r>
-            <a:r>
-              <a:rPr lang="zh-CN" altLang="en-US" sz="2400" dirty="0" smtClean="0">
-                <a:solidFill>
-                  <a:srgbClr val="FFFF00"/>
-                </a:solidFill>
-                <a:latin typeface="仿宋" panose="02010609060101010101" charset="-122"/>
-                <a:ea typeface="仿宋" panose="02010609060101010101" charset="-122"/>
-              </a:rPr>
-              <a:t>设计修正</a:t>
-            </a:r>
-            <a:endParaRPr lang="en-US" altLang="zh-CN" sz="2400" dirty="0" smtClean="0">
-              <a:solidFill>
-                <a:srgbClr val="FFFF00"/>
-              </a:solidFill>
-              <a:latin typeface="仿宋" panose="02010609060101010101" charset="-122"/>
-              <a:ea typeface="仿宋" panose="02010609060101010101" charset="-122"/>
-            </a:endParaRPr>
-          </a:p>
-          <a:p>
-            <a:r>
-              <a:rPr lang="zh-CN" altLang="en-US" sz="2400" dirty="0" smtClean="0">
-                <a:solidFill>
-                  <a:srgbClr val="FFFF00"/>
-                </a:solidFill>
-                <a:latin typeface="仿宋" panose="02010609060101010101" charset="-122"/>
-                <a:ea typeface="仿宋" panose="02010609060101010101" charset="-122"/>
-              </a:rPr>
-              <a:t>评分：</a:t>
-            </a:r>
-            <a:r>
-              <a:rPr lang="en-US" altLang="zh-CN" sz="2400" dirty="0" smtClean="0">
-                <a:solidFill>
-                  <a:srgbClr val="FFFF00"/>
-                </a:solidFill>
-                <a:latin typeface="仿宋" panose="02010609060101010101" charset="-122"/>
-                <a:ea typeface="仿宋" panose="02010609060101010101" charset="-122"/>
-              </a:rPr>
-              <a:t>5</a:t>
-            </a:r>
-            <a:endParaRPr lang="zh-CN" altLang="en-US" sz="2400" dirty="0" smtClean="0">
-              <a:solidFill>
-                <a:srgbClr val="FFFF00"/>
-              </a:solidFill>
-              <a:latin typeface="仿宋" panose="02010609060101010101" charset="-122"/>
-              <a:ea typeface="仿宋" panose="02010609060101010101" charset="-122"/>
-            </a:endParaRPr>
-          </a:p>
-          <a:p>
-            <a:endParaRPr lang="zh-CN" altLang="en-US" dirty="0"/>
-          </a:p>
-        </p:txBody>
-      </p:sp>
-    </p:spTree>
-  </p:cSld>
-  <p:clrMapOvr>
-    <a:masterClrMapping/>
-  </p:clrMapOvr>
-  <p:transition spd="slow">
-    <p:push dir="u"/>
-  </p:transition>
-  <p:timing>
-    <p:tnLst>
-      <p:par>
-        <p:cTn id="1" dur="indefinite" restart="never" nodeType="tmRoot"/>
-      </p:par>
-    </p:tnLst>
-  </p:timing>
-</p:sld>
-</file>
-
-<file path=ppt/slides/slide29.xml><?xml version="1.0" encoding="utf-8"?>
-<p:sld xmlns:a="http://schemas.openxmlformats.org/drawingml/2006/main" xmlns:r="http://schemas.openxmlformats.org/officeDocument/2006/relationships" xmlns:p="http://schemas.openxmlformats.org/presentationml/2006/main">
-  <p:cSld>
-    <p:spTree>
-      <p:nvGrpSpPr>
-        <p:cNvPr id="1" name=""/>
-        <p:cNvGrpSpPr/>
-        <p:nvPr/>
-      </p:nvGrpSpPr>
-      <p:grpSpPr>
-        <a:xfrm>
-          <a:off x="0" y="0"/>
-          <a:ext cx="0" cy="0"/>
-          <a:chOff x="0" y="0"/>
-          <a:chExt cx="0" cy="0"/>
-        </a:xfrm>
-      </p:grpSpPr>
-      <p:sp>
-        <p:nvSpPr>
-          <p:cNvPr id="2" name="等腰三角形 1"/>
-          <p:cNvSpPr/>
-          <p:nvPr/>
-        </p:nvSpPr>
-        <p:spPr>
-          <a:xfrm>
-            <a:off x="0" y="2291969"/>
-            <a:ext cx="1403648" cy="2851529"/>
-          </a:xfrm>
-          <a:prstGeom prst="triangle">
-            <a:avLst>
-              <a:gd name="adj" fmla="val 0"/>
-            </a:avLst>
-          </a:prstGeom>
-          <a:solidFill>
-            <a:srgbClr val="FFC000"/>
-          </a:solidFill>
-          <a:ln>
-            <a:noFill/>
-          </a:ln>
-        </p:spPr>
-        <p:style>
-          <a:lnRef idx="2">
-            <a:schemeClr val="accent1">
-              <a:shade val="50000"/>
-            </a:schemeClr>
-          </a:lnRef>
-          <a:fillRef idx="1">
-            <a:schemeClr val="accent1"/>
-          </a:fillRef>
-          <a:effectRef idx="0">
-            <a:schemeClr val="accent1"/>
-          </a:effectRef>
-          <a:fontRef idx="minor">
-            <a:schemeClr val="lt1"/>
-          </a:fontRef>
-        </p:style>
-        <p:txBody>
-          <a:bodyPr rtlCol="0" anchor="ctr"/>
-          <a:lstStyle/>
-          <a:p>
-            <a:pPr algn="ctr"/>
-            <a:endParaRPr lang="zh-CN" altLang="en-US"/>
-          </a:p>
-        </p:txBody>
-      </p:sp>
-      <p:sp>
-        <p:nvSpPr>
-          <p:cNvPr id="6" name="TextBox 5"/>
-          <p:cNvSpPr txBox="1"/>
-          <p:nvPr/>
-        </p:nvSpPr>
-        <p:spPr>
-          <a:xfrm>
-            <a:off x="467544" y="627534"/>
-            <a:ext cx="5256584" cy="461665"/>
-          </a:xfrm>
-          <a:prstGeom prst="rect">
-            <a:avLst/>
-          </a:prstGeom>
-          <a:noFill/>
-        </p:spPr>
-        <p:txBody>
-          <a:bodyPr wrap="square" rtlCol="0">
-            <a:spAutoFit/>
-          </a:bodyPr>
-          <a:lstStyle/>
-          <a:p>
-            <a:r>
-              <a:rPr lang="zh-CN" altLang="en-US" sz="2400" dirty="0" smtClean="0">
-                <a:solidFill>
-                  <a:srgbClr val="FFFF00"/>
-                </a:solidFill>
-              </a:rPr>
               <a:t>问题</a:t>
             </a:r>
             <a:endParaRPr lang="zh-CN" altLang="en-US" sz="2400" dirty="0">
@@ -19273,264 +18913,7 @@
 </p:sld>
 </file>
 
-<file path=ppt/slides/slide3.xml><?xml version="1.0" encoding="utf-8"?>
-<p:sld xmlns:a="http://schemas.openxmlformats.org/drawingml/2006/main" xmlns:r="http://schemas.openxmlformats.org/officeDocument/2006/relationships" xmlns:p="http://schemas.openxmlformats.org/presentationml/2006/main">
-  <p:cSld>
-    <p:bg>
-      <p:bgPr>
-        <a:solidFill>
-          <a:srgbClr val="FFC000"/>
-        </a:solidFill>
-        <a:effectLst/>
-      </p:bgPr>
-    </p:bg>
-    <p:spTree>
-      <p:nvGrpSpPr>
-        <p:cNvPr id="1" name=""/>
-        <p:cNvGrpSpPr/>
-        <p:nvPr/>
-      </p:nvGrpSpPr>
-      <p:grpSpPr>
-        <a:xfrm>
-          <a:off x="0" y="0"/>
-          <a:ext cx="0" cy="0"/>
-          <a:chOff x="0" y="0"/>
-          <a:chExt cx="0" cy="0"/>
-        </a:xfrm>
-      </p:grpSpPr>
-      <p:sp>
-        <p:nvSpPr>
-          <p:cNvPr id="4" name="矩形 3"/>
-          <p:cNvSpPr/>
-          <p:nvPr/>
-        </p:nvSpPr>
-        <p:spPr>
-          <a:xfrm flipV="1">
-            <a:off x="0" y="0"/>
-            <a:ext cx="9144000" cy="5143500"/>
-          </a:xfrm>
-          <a:prstGeom prst="rect">
-            <a:avLst/>
-          </a:prstGeom>
-          <a:solidFill>
-            <a:schemeClr val="tx1">
-              <a:lumMod val="85000"/>
-              <a:lumOff val="15000"/>
-            </a:schemeClr>
-          </a:solidFill>
-          <a:ln>
-            <a:noFill/>
-          </a:ln>
-        </p:spPr>
-        <p:style>
-          <a:lnRef idx="2">
-            <a:schemeClr val="accent1">
-              <a:shade val="50000"/>
-            </a:schemeClr>
-          </a:lnRef>
-          <a:fillRef idx="1">
-            <a:schemeClr val="accent1"/>
-          </a:fillRef>
-          <a:effectRef idx="0">
-            <a:schemeClr val="accent1"/>
-          </a:effectRef>
-          <a:fontRef idx="minor">
-            <a:schemeClr val="lt1"/>
-          </a:fontRef>
-        </p:style>
-        <p:txBody>
-          <a:bodyPr rtlCol="0" anchor="ctr"/>
-          <a:lstStyle/>
-          <a:p>
-            <a:pPr algn="ctr"/>
-            <a:endParaRPr lang="zh-CN" altLang="en-US"/>
-          </a:p>
-        </p:txBody>
-      </p:sp>
-      <p:sp>
-        <p:nvSpPr>
-          <p:cNvPr id="40" name="文本框 53"/>
-          <p:cNvSpPr txBox="1"/>
-          <p:nvPr/>
-        </p:nvSpPr>
-        <p:spPr>
-          <a:xfrm>
-            <a:off x="539552" y="1275606"/>
-            <a:ext cx="7826375" cy="3108543"/>
-          </a:xfrm>
-          <a:prstGeom prst="rect">
-            <a:avLst/>
-          </a:prstGeom>
-          <a:noFill/>
-        </p:spPr>
-        <p:txBody>
-          <a:bodyPr wrap="square" rtlCol="0">
-            <a:spAutoFit/>
-          </a:bodyPr>
-          <a:lstStyle/>
-          <a:p>
-            <a:pPr indent="720000"/>
-            <a:r>
-              <a:rPr lang="en-US" altLang="zh-CN" sz="2800" dirty="0" smtClean="0">
-                <a:solidFill>
-                  <a:srgbClr val="FFFF00"/>
-                </a:solidFill>
-              </a:rPr>
-              <a:t>Ruby</a:t>
-            </a:r>
-            <a:r>
-              <a:rPr lang="zh-CN" altLang="en-US" sz="2800" dirty="0" smtClean="0">
-                <a:solidFill>
-                  <a:srgbClr val="FFFF00"/>
-                </a:solidFill>
-              </a:rPr>
-              <a:t>是一种解释型、面向对象、动态类型的语言。</a:t>
-            </a:r>
-            <a:r>
-              <a:rPr lang="en-US" altLang="zh-CN" sz="2800" dirty="0" smtClean="0">
-                <a:solidFill>
-                  <a:srgbClr val="FFFF00"/>
-                </a:solidFill>
-              </a:rPr>
-              <a:t>Ruby</a:t>
-            </a:r>
-            <a:r>
-              <a:rPr lang="zh-CN" altLang="en-US" sz="2800" dirty="0" smtClean="0">
-                <a:solidFill>
-                  <a:srgbClr val="FFFF00"/>
-                </a:solidFill>
-              </a:rPr>
-              <a:t>采取的策略是在灵活性和运行时安全之间寻找平衡点。随着</a:t>
-            </a:r>
-            <a:r>
-              <a:rPr lang="en-US" altLang="zh-CN" sz="2800" dirty="0" smtClean="0">
-                <a:solidFill>
-                  <a:srgbClr val="FFFF00"/>
-                </a:solidFill>
-              </a:rPr>
-              <a:t>Rails</a:t>
-            </a:r>
-            <a:r>
-              <a:rPr lang="zh-CN" altLang="en-US" sz="2800" dirty="0" smtClean="0">
-                <a:solidFill>
-                  <a:srgbClr val="FFFF00"/>
-                </a:solidFill>
-              </a:rPr>
-              <a:t>框架的出现，</a:t>
-            </a:r>
-            <a:r>
-              <a:rPr lang="en-US" altLang="zh-CN" sz="2800" dirty="0" smtClean="0">
-                <a:solidFill>
-                  <a:srgbClr val="FFFF00"/>
-                </a:solidFill>
-              </a:rPr>
-              <a:t>Ruby</a:t>
-            </a:r>
-            <a:r>
-              <a:rPr lang="zh-CN" altLang="en-US" sz="2800" dirty="0" smtClean="0">
-                <a:solidFill>
-                  <a:srgbClr val="FFFF00"/>
-                </a:solidFill>
-              </a:rPr>
-              <a:t>也在</a:t>
-            </a:r>
-            <a:r>
-              <a:rPr lang="en-US" altLang="zh-CN" sz="2800" dirty="0" smtClean="0">
-                <a:solidFill>
-                  <a:srgbClr val="FFFF00"/>
-                </a:solidFill>
-              </a:rPr>
-              <a:t>2006</a:t>
-            </a:r>
-            <a:r>
-              <a:rPr lang="zh-CN" altLang="en-US" sz="2800" dirty="0" smtClean="0">
-                <a:solidFill>
-                  <a:srgbClr val="FFFF00"/>
-                </a:solidFill>
-              </a:rPr>
-              <a:t>年前后一鸣惊人，同时也指引人们重新找回编程乐趣。尽管从执行速度上说，</a:t>
-            </a:r>
-            <a:r>
-              <a:rPr lang="en-US" altLang="zh-CN" sz="2800" dirty="0" smtClean="0">
-                <a:solidFill>
-                  <a:srgbClr val="FFFF00"/>
-                </a:solidFill>
-              </a:rPr>
-              <a:t>Ruby</a:t>
-            </a:r>
-            <a:r>
-              <a:rPr lang="zh-CN" altLang="en-US" sz="2800" dirty="0" smtClean="0">
-                <a:solidFill>
-                  <a:srgbClr val="FFFF00"/>
-                </a:solidFill>
-              </a:rPr>
-              <a:t>谈不上有多高效，但它却能让程序员的编程效率大幅提高。</a:t>
-            </a:r>
-            <a:endParaRPr lang="en-US" altLang="zh-CN" sz="2800" dirty="0" smtClean="0">
-              <a:solidFill>
-                <a:srgbClr val="FFFF00"/>
-              </a:solidFill>
-            </a:endParaRPr>
-          </a:p>
-        </p:txBody>
-      </p:sp>
-      <p:sp>
-        <p:nvSpPr>
-          <p:cNvPr id="5" name="TextBox 4"/>
-          <p:cNvSpPr txBox="1"/>
-          <p:nvPr/>
-        </p:nvSpPr>
-        <p:spPr>
-          <a:xfrm>
-            <a:off x="827584" y="555526"/>
-            <a:ext cx="4824536" cy="523220"/>
-          </a:xfrm>
-          <a:prstGeom prst="rect">
-            <a:avLst/>
-          </a:prstGeom>
-          <a:noFill/>
-        </p:spPr>
-        <p:txBody>
-          <a:bodyPr wrap="square" rtlCol="0">
-            <a:spAutoFit/>
-          </a:bodyPr>
-          <a:lstStyle/>
-          <a:p>
-            <a:r>
-              <a:rPr lang="zh-CN" altLang="en-US" sz="2800" dirty="0" smtClean="0">
-                <a:solidFill>
-                  <a:srgbClr val="FFFF00"/>
-                </a:solidFill>
-              </a:rPr>
-              <a:t>前言</a:t>
-            </a:r>
-            <a:endParaRPr lang="zh-CN" altLang="en-US" sz="2800" dirty="0">
-              <a:solidFill>
-                <a:srgbClr val="FFFF00"/>
-              </a:solidFill>
-            </a:endParaRPr>
-          </a:p>
-        </p:txBody>
-      </p:sp>
-    </p:spTree>
-  </p:cSld>
-  <p:clrMapOvr>
-    <a:masterClrMapping/>
-  </p:clrMapOvr>
-  <p:transition spd="slow">
-    <p:push dir="u"/>
-  </p:transition>
-  <p:timing>
-    <p:tnLst>
-      <p:par>
-        <p:cTn id="1" dur="indefinite" restart="never" nodeType="tmRoot"/>
-      </p:par>
-    </p:tnLst>
-  </p:timing>
-</p:sld>
-</file>
-
-<file path=ppt/slides/slide30.xml><?xml version="1.0" encoding="utf-8"?>
+<file path=ppt/slides/slide29.xml><?xml version="1.0" encoding="utf-8"?>
 <p:sld xmlns:a="http://schemas.openxmlformats.org/drawingml/2006/main" xmlns:r="http://schemas.openxmlformats.org/officeDocument/2006/relationships" xmlns:p="http://schemas.openxmlformats.org/presentationml/2006/main">
   <p:cSld>
     <p:spTree>
@@ -21259,6 +20642,263 @@
       <p:bldP spid="50" grpId="0"/>
       <p:bldP spid="52" grpId="0"/>
     </p:bldLst>
+  </p:timing>
+</p:sld>
+</file>
+
+<file path=ppt/slides/slide3.xml><?xml version="1.0" encoding="utf-8"?>
+<p:sld xmlns:a="http://schemas.openxmlformats.org/drawingml/2006/main" xmlns:r="http://schemas.openxmlformats.org/officeDocument/2006/relationships" xmlns:p="http://schemas.openxmlformats.org/presentationml/2006/main">
+  <p:cSld>
+    <p:bg>
+      <p:bgPr>
+        <a:solidFill>
+          <a:srgbClr val="FFC000"/>
+        </a:solidFill>
+        <a:effectLst/>
+      </p:bgPr>
+    </p:bg>
+    <p:spTree>
+      <p:nvGrpSpPr>
+        <p:cNvPr id="1" name=""/>
+        <p:cNvGrpSpPr/>
+        <p:nvPr/>
+      </p:nvGrpSpPr>
+      <p:grpSpPr>
+        <a:xfrm>
+          <a:off x="0" y="0"/>
+          <a:ext cx="0" cy="0"/>
+          <a:chOff x="0" y="0"/>
+          <a:chExt cx="0" cy="0"/>
+        </a:xfrm>
+      </p:grpSpPr>
+      <p:sp>
+        <p:nvSpPr>
+          <p:cNvPr id="4" name="矩形 3"/>
+          <p:cNvSpPr/>
+          <p:nvPr/>
+        </p:nvSpPr>
+        <p:spPr>
+          <a:xfrm flipV="1">
+            <a:off x="0" y="0"/>
+            <a:ext cx="9144000" cy="5143500"/>
+          </a:xfrm>
+          <a:prstGeom prst="rect">
+            <a:avLst/>
+          </a:prstGeom>
+          <a:solidFill>
+            <a:schemeClr val="tx1">
+              <a:lumMod val="85000"/>
+              <a:lumOff val="15000"/>
+            </a:schemeClr>
+          </a:solidFill>
+          <a:ln>
+            <a:noFill/>
+          </a:ln>
+        </p:spPr>
+        <p:style>
+          <a:lnRef idx="2">
+            <a:schemeClr val="accent1">
+              <a:shade val="50000"/>
+            </a:schemeClr>
+          </a:lnRef>
+          <a:fillRef idx="1">
+            <a:schemeClr val="accent1"/>
+          </a:fillRef>
+          <a:effectRef idx="0">
+            <a:schemeClr val="accent1"/>
+          </a:effectRef>
+          <a:fontRef idx="minor">
+            <a:schemeClr val="lt1"/>
+          </a:fontRef>
+        </p:style>
+        <p:txBody>
+          <a:bodyPr rtlCol="0" anchor="ctr"/>
+          <a:lstStyle/>
+          <a:p>
+            <a:pPr algn="ctr"/>
+            <a:endParaRPr lang="zh-CN" altLang="en-US"/>
+          </a:p>
+        </p:txBody>
+      </p:sp>
+      <p:sp>
+        <p:nvSpPr>
+          <p:cNvPr id="40" name="文本框 53"/>
+          <p:cNvSpPr txBox="1"/>
+          <p:nvPr/>
+        </p:nvSpPr>
+        <p:spPr>
+          <a:xfrm>
+            <a:off x="539552" y="1275606"/>
+            <a:ext cx="7826375" cy="3108543"/>
+          </a:xfrm>
+          <a:prstGeom prst="rect">
+            <a:avLst/>
+          </a:prstGeom>
+          <a:noFill/>
+        </p:spPr>
+        <p:txBody>
+          <a:bodyPr wrap="square" rtlCol="0">
+            <a:spAutoFit/>
+          </a:bodyPr>
+          <a:lstStyle/>
+          <a:p>
+            <a:pPr indent="720000"/>
+            <a:r>
+              <a:rPr lang="en-US" altLang="zh-CN" sz="2800" dirty="0" smtClean="0">
+                <a:solidFill>
+                  <a:srgbClr val="FFFF00"/>
+                </a:solidFill>
+              </a:rPr>
+              <a:t>Ruby</a:t>
+            </a:r>
+            <a:r>
+              <a:rPr lang="zh-CN" altLang="en-US" sz="2800" dirty="0" smtClean="0">
+                <a:solidFill>
+                  <a:srgbClr val="FFFF00"/>
+                </a:solidFill>
+              </a:rPr>
+              <a:t>是一种解释型、面向对象、动态类型的语言。</a:t>
+            </a:r>
+            <a:r>
+              <a:rPr lang="en-US" altLang="zh-CN" sz="2800" dirty="0" smtClean="0">
+                <a:solidFill>
+                  <a:srgbClr val="FFFF00"/>
+                </a:solidFill>
+              </a:rPr>
+              <a:t>Ruby</a:t>
+            </a:r>
+            <a:r>
+              <a:rPr lang="zh-CN" altLang="en-US" sz="2800" dirty="0" smtClean="0">
+                <a:solidFill>
+                  <a:srgbClr val="FFFF00"/>
+                </a:solidFill>
+              </a:rPr>
+              <a:t>采取的策略是在灵活性和运行时安全之间寻找平衡点。随着</a:t>
+            </a:r>
+            <a:r>
+              <a:rPr lang="en-US" altLang="zh-CN" sz="2800" dirty="0" smtClean="0">
+                <a:solidFill>
+                  <a:srgbClr val="FFFF00"/>
+                </a:solidFill>
+              </a:rPr>
+              <a:t>Rails</a:t>
+            </a:r>
+            <a:r>
+              <a:rPr lang="zh-CN" altLang="en-US" sz="2800" dirty="0" smtClean="0">
+                <a:solidFill>
+                  <a:srgbClr val="FFFF00"/>
+                </a:solidFill>
+              </a:rPr>
+              <a:t>框架的出现，</a:t>
+            </a:r>
+            <a:r>
+              <a:rPr lang="en-US" altLang="zh-CN" sz="2800" dirty="0" smtClean="0">
+                <a:solidFill>
+                  <a:srgbClr val="FFFF00"/>
+                </a:solidFill>
+              </a:rPr>
+              <a:t>Ruby</a:t>
+            </a:r>
+            <a:r>
+              <a:rPr lang="zh-CN" altLang="en-US" sz="2800" dirty="0" smtClean="0">
+                <a:solidFill>
+                  <a:srgbClr val="FFFF00"/>
+                </a:solidFill>
+              </a:rPr>
+              <a:t>也在</a:t>
+            </a:r>
+            <a:r>
+              <a:rPr lang="en-US" altLang="zh-CN" sz="2800" dirty="0" smtClean="0">
+                <a:solidFill>
+                  <a:srgbClr val="FFFF00"/>
+                </a:solidFill>
+              </a:rPr>
+              <a:t>2006</a:t>
+            </a:r>
+            <a:r>
+              <a:rPr lang="zh-CN" altLang="en-US" sz="2800" dirty="0" smtClean="0">
+                <a:solidFill>
+                  <a:srgbClr val="FFFF00"/>
+                </a:solidFill>
+              </a:rPr>
+              <a:t>年前后一鸣惊人，同时也指引人们重新找回编程乐趣。尽管从执行速度上说，</a:t>
+            </a:r>
+            <a:r>
+              <a:rPr lang="en-US" altLang="zh-CN" sz="2800" dirty="0" smtClean="0">
+                <a:solidFill>
+                  <a:srgbClr val="FFFF00"/>
+                </a:solidFill>
+              </a:rPr>
+              <a:t>Ruby</a:t>
+            </a:r>
+            <a:r>
+              <a:rPr lang="zh-CN" altLang="en-US" sz="2800" dirty="0" smtClean="0">
+                <a:solidFill>
+                  <a:srgbClr val="FFFF00"/>
+                </a:solidFill>
+              </a:rPr>
+              <a:t>谈不上有多高效，但它却能让程序员的编程效率大幅提高。</a:t>
+            </a:r>
+            <a:endParaRPr lang="en-US" altLang="zh-CN" sz="2800" dirty="0" smtClean="0">
+              <a:solidFill>
+                <a:srgbClr val="FFFF00"/>
+              </a:solidFill>
+            </a:endParaRPr>
+          </a:p>
+        </p:txBody>
+      </p:sp>
+      <p:sp>
+        <p:nvSpPr>
+          <p:cNvPr id="5" name="TextBox 4"/>
+          <p:cNvSpPr txBox="1"/>
+          <p:nvPr/>
+        </p:nvSpPr>
+        <p:spPr>
+          <a:xfrm>
+            <a:off x="827584" y="555526"/>
+            <a:ext cx="4824536" cy="523220"/>
+          </a:xfrm>
+          <a:prstGeom prst="rect">
+            <a:avLst/>
+          </a:prstGeom>
+          <a:noFill/>
+        </p:spPr>
+        <p:txBody>
+          <a:bodyPr wrap="square" rtlCol="0">
+            <a:spAutoFit/>
+          </a:bodyPr>
+          <a:lstStyle/>
+          <a:p>
+            <a:r>
+              <a:rPr lang="zh-CN" altLang="en-US" sz="2800" dirty="0" smtClean="0">
+                <a:solidFill>
+                  <a:srgbClr val="FFFF00"/>
+                </a:solidFill>
+              </a:rPr>
+              <a:t>前言</a:t>
+            </a:r>
+            <a:endParaRPr lang="zh-CN" altLang="en-US" sz="2800" dirty="0">
+              <a:solidFill>
+                <a:srgbClr val="FFFF00"/>
+              </a:solidFill>
+            </a:endParaRPr>
+          </a:p>
+        </p:txBody>
+      </p:sp>
+    </p:spTree>
+  </p:cSld>
+  <p:clrMapOvr>
+    <a:masterClrMapping/>
+  </p:clrMapOvr>
+  <p:transition spd="slow">
+    <p:push dir="u"/>
+  </p:transition>
+  <p:timing>
+    <p:tnLst>
+      <p:par>
+        <p:cTn id="1" dur="indefinite" restart="never" nodeType="tmRoot"/>
+      </p:par>
+    </p:tnLst>
   </p:timing>
 </p:sld>
 </file>
@@ -26317,7 +25957,7 @@
   <a:extraClrSchemeLst/>
   <a:extLst>
     <a:ext uri="{05A4C25C-085E-4340-85A3-A5531E510DB2}">
-      <thm15:themeFamily xmlns="" xmlns:thm15="http://schemas.microsoft.com/office/thememl/2012/main" name="Office Theme" id="{62F939B6-93AF-4DB8-9C6B-D6C7DFDC589F}" vid="{4A3C46E8-61CC-4603-A589-7422A47A8E4A}"/>
+      <thm15:themeFamily xmlns:thm15="http://schemas.microsoft.com/office/thememl/2012/main" xmlns="" name="Office Theme" id="{62F939B6-93AF-4DB8-9C6B-D6C7DFDC589F}" vid="{4A3C46E8-61CC-4603-A589-7422A47A8E4A}"/>
     </a:ext>
   </a:extLst>
 </a:theme>
@@ -26607,7 +26247,7 @@
   <a:extraClrSchemeLst/>
   <a:extLst>
     <a:ext uri="{05A4C25C-085E-4340-85A3-A5531E510DB2}">
-      <thm15:themeFamily xmlns="" xmlns:thm15="http://schemas.microsoft.com/office/thememl/2012/main" name="Office Theme" id="{62F939B6-93AF-4DB8-9C6B-D6C7DFDC589F}" vid="{4A3C46E8-61CC-4603-A589-7422A47A8E4A}"/>
+      <thm15:themeFamily xmlns:thm15="http://schemas.microsoft.com/office/thememl/2012/main" xmlns="" name="Office Theme" id="{62F939B6-93AF-4DB8-9C6B-D6C7DFDC589F}" vid="{4A3C46E8-61CC-4603-A589-7422A47A8E4A}"/>
     </a:ext>
   </a:extLst>
 </a:theme>
